--- a/analysis/submitted_analyses/fixation_process.pptx
+++ b/analysis/submitted_analyses/fixation_process.pptx
@@ -243,7 +243,7 @@
           <a:p>
             <a:fld id="{CFC60B5F-2253-DF41-8690-61B53F1555CE}" type="datetimeFigureOut">
               <a:rPr lang="en-US" smtClean="0"/>
-              <a:t>1/27/24</a:t>
+              <a:t>4/19/24</a:t>
             </a:fld>
             <a:endParaRPr lang="en-US"/>
           </a:p>
@@ -413,7 +413,7 @@
           <a:p>
             <a:fld id="{CFC60B5F-2253-DF41-8690-61B53F1555CE}" type="datetimeFigureOut">
               <a:rPr lang="en-US" smtClean="0"/>
-              <a:t>1/27/24</a:t>
+              <a:t>4/19/24</a:t>
             </a:fld>
             <a:endParaRPr lang="en-US"/>
           </a:p>
@@ -593,7 +593,7 @@
           <a:p>
             <a:fld id="{CFC60B5F-2253-DF41-8690-61B53F1555CE}" type="datetimeFigureOut">
               <a:rPr lang="en-US" smtClean="0"/>
-              <a:t>1/27/24</a:t>
+              <a:t>4/19/24</a:t>
             </a:fld>
             <a:endParaRPr lang="en-US"/>
           </a:p>
@@ -763,7 +763,7 @@
           <a:p>
             <a:fld id="{CFC60B5F-2253-DF41-8690-61B53F1555CE}" type="datetimeFigureOut">
               <a:rPr lang="en-US" smtClean="0"/>
-              <a:t>1/27/24</a:t>
+              <a:t>4/19/24</a:t>
             </a:fld>
             <a:endParaRPr lang="en-US"/>
           </a:p>
@@ -1007,7 +1007,7 @@
           <a:p>
             <a:fld id="{CFC60B5F-2253-DF41-8690-61B53F1555CE}" type="datetimeFigureOut">
               <a:rPr lang="en-US" smtClean="0"/>
-              <a:t>1/27/24</a:t>
+              <a:t>4/19/24</a:t>
             </a:fld>
             <a:endParaRPr lang="en-US"/>
           </a:p>
@@ -1239,7 +1239,7 @@
           <a:p>
             <a:fld id="{CFC60B5F-2253-DF41-8690-61B53F1555CE}" type="datetimeFigureOut">
               <a:rPr lang="en-US" smtClean="0"/>
-              <a:t>1/27/24</a:t>
+              <a:t>4/19/24</a:t>
             </a:fld>
             <a:endParaRPr lang="en-US"/>
           </a:p>
@@ -1606,7 +1606,7 @@
           <a:p>
             <a:fld id="{CFC60B5F-2253-DF41-8690-61B53F1555CE}" type="datetimeFigureOut">
               <a:rPr lang="en-US" smtClean="0"/>
-              <a:t>1/27/24</a:t>
+              <a:t>4/19/24</a:t>
             </a:fld>
             <a:endParaRPr lang="en-US"/>
           </a:p>
@@ -1724,7 +1724,7 @@
           <a:p>
             <a:fld id="{CFC60B5F-2253-DF41-8690-61B53F1555CE}" type="datetimeFigureOut">
               <a:rPr lang="en-US" smtClean="0"/>
-              <a:t>1/27/24</a:t>
+              <a:t>4/19/24</a:t>
             </a:fld>
             <a:endParaRPr lang="en-US"/>
           </a:p>
@@ -1819,7 +1819,7 @@
           <a:p>
             <a:fld id="{CFC60B5F-2253-DF41-8690-61B53F1555CE}" type="datetimeFigureOut">
               <a:rPr lang="en-US" smtClean="0"/>
-              <a:t>1/27/24</a:t>
+              <a:t>4/19/24</a:t>
             </a:fld>
             <a:endParaRPr lang="en-US"/>
           </a:p>
@@ -2096,7 +2096,7 @@
           <a:p>
             <a:fld id="{CFC60B5F-2253-DF41-8690-61B53F1555CE}" type="datetimeFigureOut">
               <a:rPr lang="en-US" smtClean="0"/>
-              <a:t>1/27/24</a:t>
+              <a:t>4/19/24</a:t>
             </a:fld>
             <a:endParaRPr lang="en-US"/>
           </a:p>
@@ -2353,7 +2353,7 @@
           <a:p>
             <a:fld id="{CFC60B5F-2253-DF41-8690-61B53F1555CE}" type="datetimeFigureOut">
               <a:rPr lang="en-US" smtClean="0"/>
-              <a:t>1/27/24</a:t>
+              <a:t>4/19/24</a:t>
             </a:fld>
             <a:endParaRPr lang="en-US"/>
           </a:p>
@@ -2566,7 +2566,7 @@
           <a:p>
             <a:fld id="{CFC60B5F-2253-DF41-8690-61B53F1555CE}" type="datetimeFigureOut">
               <a:rPr lang="en-US" smtClean="0"/>
-              <a:t>1/27/24</a:t>
+              <a:t>4/19/24</a:t>
             </a:fld>
             <a:endParaRPr lang="en-US"/>
           </a:p>
@@ -2973,10 +2973,10 @@
       </p:grpSpPr>
       <p:pic>
         <p:nvPicPr>
-          <p:cNvPr id="4" name="Picture 3">
+          <p:cNvPr id="5" name="Picture 4">
             <a:extLst>
               <a:ext uri="{FF2B5EF4-FFF2-40B4-BE49-F238E27FC236}">
-                <a16:creationId xmlns:a16="http://schemas.microsoft.com/office/drawing/2014/main" id="{AAB3159B-6BE1-4F1C-E3D1-DBD5714E5197}"/>
+                <a16:creationId xmlns:a16="http://schemas.microsoft.com/office/drawing/2014/main" id="{381C19AC-C19A-418A-C17D-578322B38F7B}"/>
               </a:ext>
             </a:extLst>
           </p:cNvPr>
@@ -3077,7 +3077,7 @@
         </p:nvCxnSpPr>
         <p:spPr>
           <a:xfrm>
-            <a:off x="2311842" y="3836504"/>
+            <a:off x="2245116" y="3836504"/>
             <a:ext cx="0" cy="2812774"/>
           </a:xfrm>
           <a:prstGeom prst="line">
@@ -3118,7 +3118,7 @@
         </p:nvCxnSpPr>
         <p:spPr>
           <a:xfrm>
-            <a:off x="3854898" y="3836504"/>
+            <a:off x="3817827" y="3836504"/>
             <a:ext cx="0" cy="2812774"/>
           </a:xfrm>
           <a:prstGeom prst="line">

--- a/analysis/submitted_analyses/fixation_process.pptx
+++ b/analysis/submitted_analyses/fixation_process.pptx
@@ -2,12 +2,15 @@
 <file path=ppt/presentation.xml><?xml version="1.0" encoding="utf-8"?>
 <p:presentation xmlns:a="http://schemas.openxmlformats.org/drawingml/2006/main" xmlns:r="http://schemas.openxmlformats.org/officeDocument/2006/relationships" xmlns:p="http://schemas.openxmlformats.org/presentationml/2006/main" saveSubsetFonts="1" autoCompressPictures="0">
   <p:sldMasterIdLst>
-    <p:sldMasterId id="2147483672" r:id="rId1"/>
+    <p:sldMasterId id="2147483684" r:id="rId1"/>
   </p:sldMasterIdLst>
+  <p:notesMasterIdLst>
+    <p:notesMasterId r:id="rId3"/>
+  </p:notesMasterIdLst>
   <p:sldIdLst>
     <p:sldId id="257" r:id="rId2"/>
   </p:sldIdLst>
-  <p:sldSz cx="5486400" cy="18288000"/>
+  <p:sldSz cx="16459200" cy="18745200"/>
   <p:notesSz cx="6858000" cy="9144000"/>
   <p:defaultTextStyle>
     <a:defPPr>
@@ -112,6 +115,439 @@
 </p:presentation>
 </file>
 
+<file path=ppt/notesMasters/notesMaster1.xml><?xml version="1.0" encoding="utf-8"?>
+<p:notesMaster xmlns:a="http://schemas.openxmlformats.org/drawingml/2006/main" xmlns:r="http://schemas.openxmlformats.org/officeDocument/2006/relationships" xmlns:p="http://schemas.openxmlformats.org/presentationml/2006/main">
+  <p:cSld>
+    <p:bg>
+      <p:bgRef idx="1001">
+        <a:schemeClr val="bg1"/>
+      </p:bgRef>
+    </p:bg>
+    <p:spTree>
+      <p:nvGrpSpPr>
+        <p:cNvPr id="1" name=""/>
+        <p:cNvGrpSpPr/>
+        <p:nvPr/>
+      </p:nvGrpSpPr>
+      <p:grpSpPr>
+        <a:xfrm>
+          <a:off x="0" y="0"/>
+          <a:ext cx="0" cy="0"/>
+          <a:chOff x="0" y="0"/>
+          <a:chExt cx="0" cy="0"/>
+        </a:xfrm>
+      </p:grpSpPr>
+      <p:sp>
+        <p:nvSpPr>
+          <p:cNvPr id="2" name="Header Placeholder 1"/>
+          <p:cNvSpPr>
+            <a:spLocks noGrp="1"/>
+          </p:cNvSpPr>
+          <p:nvPr>
+            <p:ph type="hdr" sz="quarter"/>
+          </p:nvPr>
+        </p:nvSpPr>
+        <p:spPr>
+          <a:xfrm>
+            <a:off x="0" y="0"/>
+            <a:ext cx="2971800" cy="458788"/>
+          </a:xfrm>
+          <a:prstGeom prst="rect">
+            <a:avLst/>
+          </a:prstGeom>
+        </p:spPr>
+        <p:txBody>
+          <a:bodyPr vert="horz" lIns="91440" tIns="45720" rIns="91440" bIns="45720" rtlCol="0"/>
+          <a:lstStyle>
+            <a:lvl1pPr algn="l">
+              <a:defRPr sz="1200"/>
+            </a:lvl1pPr>
+          </a:lstStyle>
+          <a:p>
+            <a:endParaRPr lang="en-US"/>
+          </a:p>
+        </p:txBody>
+      </p:sp>
+      <p:sp>
+        <p:nvSpPr>
+          <p:cNvPr id="3" name="Date Placeholder 2"/>
+          <p:cNvSpPr>
+            <a:spLocks noGrp="1"/>
+          </p:cNvSpPr>
+          <p:nvPr>
+            <p:ph type="dt" idx="1"/>
+          </p:nvPr>
+        </p:nvSpPr>
+        <p:spPr>
+          <a:xfrm>
+            <a:off x="3884613" y="0"/>
+            <a:ext cx="2971800" cy="458788"/>
+          </a:xfrm>
+          <a:prstGeom prst="rect">
+            <a:avLst/>
+          </a:prstGeom>
+        </p:spPr>
+        <p:txBody>
+          <a:bodyPr vert="horz" lIns="91440" tIns="45720" rIns="91440" bIns="45720" rtlCol="0"/>
+          <a:lstStyle>
+            <a:lvl1pPr algn="r">
+              <a:defRPr sz="1200"/>
+            </a:lvl1pPr>
+          </a:lstStyle>
+          <a:p>
+            <a:fld id="{9C6F0873-8CB7-504D-9864-58FDE15F938D}" type="datetimeFigureOut">
+              <a:rPr lang="en-US" smtClean="0"/>
+              <a:t>6/14/24</a:t>
+            </a:fld>
+            <a:endParaRPr lang="en-US"/>
+          </a:p>
+        </p:txBody>
+      </p:sp>
+      <p:sp>
+        <p:nvSpPr>
+          <p:cNvPr id="4" name="Slide Image Placeholder 3"/>
+          <p:cNvSpPr>
+            <a:spLocks noGrp="1" noRot="1" noChangeAspect="1"/>
+          </p:cNvSpPr>
+          <p:nvPr>
+            <p:ph type="sldImg" idx="2"/>
+          </p:nvPr>
+        </p:nvSpPr>
+        <p:spPr>
+          <a:xfrm>
+            <a:off x="2074863" y="1143000"/>
+            <a:ext cx="2708275" cy="3086100"/>
+          </a:xfrm>
+          <a:prstGeom prst="rect">
+            <a:avLst/>
+          </a:prstGeom>
+          <a:noFill/>
+          <a:ln w="12700">
+            <a:solidFill>
+              <a:prstClr val="black"/>
+            </a:solidFill>
+          </a:ln>
+        </p:spPr>
+        <p:txBody>
+          <a:bodyPr vert="horz" lIns="91440" tIns="45720" rIns="91440" bIns="45720" rtlCol="0" anchor="ctr"/>
+          <a:lstStyle/>
+          <a:p>
+            <a:endParaRPr lang="en-US"/>
+          </a:p>
+        </p:txBody>
+      </p:sp>
+      <p:sp>
+        <p:nvSpPr>
+          <p:cNvPr id="5" name="Notes Placeholder 4"/>
+          <p:cNvSpPr>
+            <a:spLocks noGrp="1"/>
+          </p:cNvSpPr>
+          <p:nvPr>
+            <p:ph type="body" sz="quarter" idx="3"/>
+          </p:nvPr>
+        </p:nvSpPr>
+        <p:spPr>
+          <a:xfrm>
+            <a:off x="685800" y="4400550"/>
+            <a:ext cx="5486400" cy="3600450"/>
+          </a:xfrm>
+          <a:prstGeom prst="rect">
+            <a:avLst/>
+          </a:prstGeom>
+        </p:spPr>
+        <p:txBody>
+          <a:bodyPr vert="horz" lIns="91440" tIns="45720" rIns="91440" bIns="45720" rtlCol="0"/>
+          <a:lstStyle/>
+          <a:p>
+            <a:pPr lvl="0"/>
+            <a:r>
+              <a:rPr lang="en-US"/>
+              <a:t>Click to edit Master text styles</a:t>
+            </a:r>
+          </a:p>
+          <a:p>
+            <a:pPr lvl="1"/>
+            <a:r>
+              <a:rPr lang="en-US"/>
+              <a:t>Second level</a:t>
+            </a:r>
+          </a:p>
+          <a:p>
+            <a:pPr lvl="2"/>
+            <a:r>
+              <a:rPr lang="en-US"/>
+              <a:t>Third level</a:t>
+            </a:r>
+          </a:p>
+          <a:p>
+            <a:pPr lvl="3"/>
+            <a:r>
+              <a:rPr lang="en-US"/>
+              <a:t>Fourth level</a:t>
+            </a:r>
+          </a:p>
+          <a:p>
+            <a:pPr lvl="4"/>
+            <a:r>
+              <a:rPr lang="en-US"/>
+              <a:t>Fifth level</a:t>
+            </a:r>
+          </a:p>
+        </p:txBody>
+      </p:sp>
+      <p:sp>
+        <p:nvSpPr>
+          <p:cNvPr id="6" name="Footer Placeholder 5"/>
+          <p:cNvSpPr>
+            <a:spLocks noGrp="1"/>
+          </p:cNvSpPr>
+          <p:nvPr>
+            <p:ph type="ftr" sz="quarter" idx="4"/>
+          </p:nvPr>
+        </p:nvSpPr>
+        <p:spPr>
+          <a:xfrm>
+            <a:off x="0" y="8685213"/>
+            <a:ext cx="2971800" cy="458787"/>
+          </a:xfrm>
+          <a:prstGeom prst="rect">
+            <a:avLst/>
+          </a:prstGeom>
+        </p:spPr>
+        <p:txBody>
+          <a:bodyPr vert="horz" lIns="91440" tIns="45720" rIns="91440" bIns="45720" rtlCol="0" anchor="b"/>
+          <a:lstStyle>
+            <a:lvl1pPr algn="l">
+              <a:defRPr sz="1200"/>
+            </a:lvl1pPr>
+          </a:lstStyle>
+          <a:p>
+            <a:endParaRPr lang="en-US"/>
+          </a:p>
+        </p:txBody>
+      </p:sp>
+      <p:sp>
+        <p:nvSpPr>
+          <p:cNvPr id="7" name="Slide Number Placeholder 6"/>
+          <p:cNvSpPr>
+            <a:spLocks noGrp="1"/>
+          </p:cNvSpPr>
+          <p:nvPr>
+            <p:ph type="sldNum" sz="quarter" idx="5"/>
+          </p:nvPr>
+        </p:nvSpPr>
+        <p:spPr>
+          <a:xfrm>
+            <a:off x="3884613" y="8685213"/>
+            <a:ext cx="2971800" cy="458787"/>
+          </a:xfrm>
+          <a:prstGeom prst="rect">
+            <a:avLst/>
+          </a:prstGeom>
+        </p:spPr>
+        <p:txBody>
+          <a:bodyPr vert="horz" lIns="91440" tIns="45720" rIns="91440" bIns="45720" rtlCol="0" anchor="b"/>
+          <a:lstStyle>
+            <a:lvl1pPr algn="r">
+              <a:defRPr sz="1200"/>
+            </a:lvl1pPr>
+          </a:lstStyle>
+          <a:p>
+            <a:fld id="{1E09FC24-1ABC-854C-BB7C-3DA987584C0B}" type="slidenum">
+              <a:rPr lang="en-US" smtClean="0"/>
+              <a:t>‹#›</a:t>
+            </a:fld>
+            <a:endParaRPr lang="en-US"/>
+          </a:p>
+        </p:txBody>
+      </p:sp>
+    </p:spTree>
+    <p:extLst>
+      <p:ext uri="{BB962C8B-B14F-4D97-AF65-F5344CB8AC3E}">
+        <p14:creationId xmlns:p14="http://schemas.microsoft.com/office/powerpoint/2010/main" val="2203610584"/>
+      </p:ext>
+    </p:extLst>
+  </p:cSld>
+  <p:clrMap bg1="lt1" tx1="dk1" bg2="lt2" tx2="dk2" accent1="accent1" accent2="accent2" accent3="accent3" accent4="accent4" accent5="accent5" accent6="accent6" hlink="hlink" folHlink="folHlink"/>
+  <p:notesStyle>
+    <a:lvl1pPr marL="0" algn="l" defTabSz="1353952" rtl="0" eaLnBrk="1" latinLnBrk="0" hangingPunct="1">
+      <a:defRPr sz="1777" kern="1200">
+        <a:solidFill>
+          <a:schemeClr val="tx1"/>
+        </a:solidFill>
+        <a:latin typeface="+mn-lt"/>
+        <a:ea typeface="+mn-ea"/>
+        <a:cs typeface="+mn-cs"/>
+      </a:defRPr>
+    </a:lvl1pPr>
+    <a:lvl2pPr marL="676976" algn="l" defTabSz="1353952" rtl="0" eaLnBrk="1" latinLnBrk="0" hangingPunct="1">
+      <a:defRPr sz="1777" kern="1200">
+        <a:solidFill>
+          <a:schemeClr val="tx1"/>
+        </a:solidFill>
+        <a:latin typeface="+mn-lt"/>
+        <a:ea typeface="+mn-ea"/>
+        <a:cs typeface="+mn-cs"/>
+      </a:defRPr>
+    </a:lvl2pPr>
+    <a:lvl3pPr marL="1353952" algn="l" defTabSz="1353952" rtl="0" eaLnBrk="1" latinLnBrk="0" hangingPunct="1">
+      <a:defRPr sz="1777" kern="1200">
+        <a:solidFill>
+          <a:schemeClr val="tx1"/>
+        </a:solidFill>
+        <a:latin typeface="+mn-lt"/>
+        <a:ea typeface="+mn-ea"/>
+        <a:cs typeface="+mn-cs"/>
+      </a:defRPr>
+    </a:lvl3pPr>
+    <a:lvl4pPr marL="2030928" algn="l" defTabSz="1353952" rtl="0" eaLnBrk="1" latinLnBrk="0" hangingPunct="1">
+      <a:defRPr sz="1777" kern="1200">
+        <a:solidFill>
+          <a:schemeClr val="tx1"/>
+        </a:solidFill>
+        <a:latin typeface="+mn-lt"/>
+        <a:ea typeface="+mn-ea"/>
+        <a:cs typeface="+mn-cs"/>
+      </a:defRPr>
+    </a:lvl4pPr>
+    <a:lvl5pPr marL="2707904" algn="l" defTabSz="1353952" rtl="0" eaLnBrk="1" latinLnBrk="0" hangingPunct="1">
+      <a:defRPr sz="1777" kern="1200">
+        <a:solidFill>
+          <a:schemeClr val="tx1"/>
+        </a:solidFill>
+        <a:latin typeface="+mn-lt"/>
+        <a:ea typeface="+mn-ea"/>
+        <a:cs typeface="+mn-cs"/>
+      </a:defRPr>
+    </a:lvl5pPr>
+    <a:lvl6pPr marL="3384880" algn="l" defTabSz="1353952" rtl="0" eaLnBrk="1" latinLnBrk="0" hangingPunct="1">
+      <a:defRPr sz="1777" kern="1200">
+        <a:solidFill>
+          <a:schemeClr val="tx1"/>
+        </a:solidFill>
+        <a:latin typeface="+mn-lt"/>
+        <a:ea typeface="+mn-ea"/>
+        <a:cs typeface="+mn-cs"/>
+      </a:defRPr>
+    </a:lvl6pPr>
+    <a:lvl7pPr marL="4061856" algn="l" defTabSz="1353952" rtl="0" eaLnBrk="1" latinLnBrk="0" hangingPunct="1">
+      <a:defRPr sz="1777" kern="1200">
+        <a:solidFill>
+          <a:schemeClr val="tx1"/>
+        </a:solidFill>
+        <a:latin typeface="+mn-lt"/>
+        <a:ea typeface="+mn-ea"/>
+        <a:cs typeface="+mn-cs"/>
+      </a:defRPr>
+    </a:lvl7pPr>
+    <a:lvl8pPr marL="4738832" algn="l" defTabSz="1353952" rtl="0" eaLnBrk="1" latinLnBrk="0" hangingPunct="1">
+      <a:defRPr sz="1777" kern="1200">
+        <a:solidFill>
+          <a:schemeClr val="tx1"/>
+        </a:solidFill>
+        <a:latin typeface="+mn-lt"/>
+        <a:ea typeface="+mn-ea"/>
+        <a:cs typeface="+mn-cs"/>
+      </a:defRPr>
+    </a:lvl8pPr>
+    <a:lvl9pPr marL="5415808" algn="l" defTabSz="1353952" rtl="0" eaLnBrk="1" latinLnBrk="0" hangingPunct="1">
+      <a:defRPr sz="1777" kern="1200">
+        <a:solidFill>
+          <a:schemeClr val="tx1"/>
+        </a:solidFill>
+        <a:latin typeface="+mn-lt"/>
+        <a:ea typeface="+mn-ea"/>
+        <a:cs typeface="+mn-cs"/>
+      </a:defRPr>
+    </a:lvl9pPr>
+  </p:notesStyle>
+</p:notesMaster>
+</file>
+
+<file path=ppt/notesSlides/notesSlide1.xml><?xml version="1.0" encoding="utf-8"?>
+<p:notes xmlns:a="http://schemas.openxmlformats.org/drawingml/2006/main" xmlns:r="http://schemas.openxmlformats.org/officeDocument/2006/relationships" xmlns:p="http://schemas.openxmlformats.org/presentationml/2006/main">
+  <p:cSld>
+    <p:spTree>
+      <p:nvGrpSpPr>
+        <p:cNvPr id="1" name=""/>
+        <p:cNvGrpSpPr/>
+        <p:nvPr/>
+      </p:nvGrpSpPr>
+      <p:grpSpPr>
+        <a:xfrm>
+          <a:off x="0" y="0"/>
+          <a:ext cx="0" cy="0"/>
+          <a:chOff x="0" y="0"/>
+          <a:chExt cx="0" cy="0"/>
+        </a:xfrm>
+      </p:grpSpPr>
+      <p:sp>
+        <p:nvSpPr>
+          <p:cNvPr id="2" name="Slide Image Placeholder 1"/>
+          <p:cNvSpPr>
+            <a:spLocks noGrp="1" noRot="1" noChangeAspect="1"/>
+          </p:cNvSpPr>
+          <p:nvPr>
+            <p:ph type="sldImg"/>
+          </p:nvPr>
+        </p:nvSpPr>
+        <p:spPr/>
+      </p:sp>
+      <p:sp>
+        <p:nvSpPr>
+          <p:cNvPr id="3" name="Notes Placeholder 2"/>
+          <p:cNvSpPr>
+            <a:spLocks noGrp="1"/>
+          </p:cNvSpPr>
+          <p:nvPr>
+            <p:ph type="body" idx="1"/>
+          </p:nvPr>
+        </p:nvSpPr>
+        <p:spPr/>
+        <p:txBody>
+          <a:bodyPr/>
+          <a:lstStyle/>
+          <a:p>
+            <a:endParaRPr lang="en-US" dirty="0"/>
+          </a:p>
+        </p:txBody>
+      </p:sp>
+      <p:sp>
+        <p:nvSpPr>
+          <p:cNvPr id="4" name="Slide Number Placeholder 3"/>
+          <p:cNvSpPr>
+            <a:spLocks noGrp="1"/>
+          </p:cNvSpPr>
+          <p:nvPr>
+            <p:ph type="sldNum" sz="quarter" idx="5"/>
+          </p:nvPr>
+        </p:nvSpPr>
+        <p:spPr/>
+        <p:txBody>
+          <a:bodyPr/>
+          <a:lstStyle/>
+          <a:p>
+            <a:fld id="{1E09FC24-1ABC-854C-BB7C-3DA987584C0B}" type="slidenum">
+              <a:rPr lang="en-US" smtClean="0"/>
+              <a:t>1</a:t>
+            </a:fld>
+            <a:endParaRPr lang="en-US"/>
+          </a:p>
+        </p:txBody>
+      </p:sp>
+    </p:spTree>
+    <p:extLst>
+      <p:ext uri="{BB962C8B-B14F-4D97-AF65-F5344CB8AC3E}">
+        <p14:creationId xmlns:p14="http://schemas.microsoft.com/office/powerpoint/2010/main" val="1079762808"/>
+      </p:ext>
+    </p:extLst>
+  </p:cSld>
+  <p:clrMapOvr>
+    <a:masterClrMapping/>
+  </p:clrMapOvr>
+</p:notes>
+</file>
+
 <file path=ppt/slideLayouts/slideLayout1.xml><?xml version="1.0" encoding="utf-8"?>
 <p:sldLayout xmlns:a="http://schemas.openxmlformats.org/drawingml/2006/main" xmlns:r="http://schemas.openxmlformats.org/officeDocument/2006/relationships" xmlns:p="http://schemas.openxmlformats.org/presentationml/2006/main" type="title" preserve="1">
   <p:cSld name="Title Slide">
@@ -141,15 +577,15 @@
         </p:nvSpPr>
         <p:spPr>
           <a:xfrm>
-            <a:off x="411480" y="2992968"/>
-            <a:ext cx="4663440" cy="6366933"/>
+            <a:off x="1234440" y="3067792"/>
+            <a:ext cx="13990320" cy="6526107"/>
           </a:xfrm>
         </p:spPr>
         <p:txBody>
           <a:bodyPr anchor="b"/>
           <a:lstStyle>
             <a:lvl1pPr algn="ctr">
-              <a:defRPr sz="3600"/>
+              <a:defRPr sz="10800"/>
             </a:lvl1pPr>
           </a:lstStyle>
           <a:p>
@@ -173,8 +609,8 @@
         </p:nvSpPr>
         <p:spPr>
           <a:xfrm>
-            <a:off x="685800" y="9605435"/>
-            <a:ext cx="4114800" cy="4415365"/>
+            <a:off x="2057400" y="9845571"/>
+            <a:ext cx="12344400" cy="4525749"/>
           </a:xfrm>
         </p:spPr>
         <p:txBody>
@@ -182,39 +618,39 @@
           <a:lstStyle>
             <a:lvl1pPr marL="0" indent="0" algn="ctr">
               <a:buNone/>
-              <a:defRPr sz="1440"/>
+              <a:defRPr sz="4320"/>
             </a:lvl1pPr>
-            <a:lvl2pPr marL="274320" indent="0" algn="ctr">
-              <a:buNone/>
-              <a:defRPr sz="1200"/>
+            <a:lvl2pPr marL="822960" indent="0" algn="ctr">
+              <a:buNone/>
+              <a:defRPr sz="3600"/>
             </a:lvl2pPr>
-            <a:lvl3pPr marL="548640" indent="0" algn="ctr">
-              <a:buNone/>
-              <a:defRPr sz="1080"/>
+            <a:lvl3pPr marL="1645920" indent="0" algn="ctr">
+              <a:buNone/>
+              <a:defRPr sz="3240"/>
             </a:lvl3pPr>
-            <a:lvl4pPr marL="822960" indent="0" algn="ctr">
-              <a:buNone/>
-              <a:defRPr sz="960"/>
+            <a:lvl4pPr marL="2468880" indent="0" algn="ctr">
+              <a:buNone/>
+              <a:defRPr sz="2880"/>
             </a:lvl4pPr>
-            <a:lvl5pPr marL="1097280" indent="0" algn="ctr">
-              <a:buNone/>
-              <a:defRPr sz="960"/>
+            <a:lvl5pPr marL="3291840" indent="0" algn="ctr">
+              <a:buNone/>
+              <a:defRPr sz="2880"/>
             </a:lvl5pPr>
-            <a:lvl6pPr marL="1371600" indent="0" algn="ctr">
-              <a:buNone/>
-              <a:defRPr sz="960"/>
+            <a:lvl6pPr marL="4114800" indent="0" algn="ctr">
+              <a:buNone/>
+              <a:defRPr sz="2880"/>
             </a:lvl6pPr>
-            <a:lvl7pPr marL="1645920" indent="0" algn="ctr">
-              <a:buNone/>
-              <a:defRPr sz="960"/>
+            <a:lvl7pPr marL="4937760" indent="0" algn="ctr">
+              <a:buNone/>
+              <a:defRPr sz="2880"/>
             </a:lvl7pPr>
-            <a:lvl8pPr marL="1920240" indent="0" algn="ctr">
-              <a:buNone/>
-              <a:defRPr sz="960"/>
+            <a:lvl8pPr marL="5760720" indent="0" algn="ctr">
+              <a:buNone/>
+              <a:defRPr sz="2880"/>
             </a:lvl8pPr>
-            <a:lvl9pPr marL="2194560" indent="0" algn="ctr">
-              <a:buNone/>
-              <a:defRPr sz="960"/>
+            <a:lvl9pPr marL="6583680" indent="0" algn="ctr">
+              <a:buNone/>
+              <a:defRPr sz="2880"/>
             </a:lvl9pPr>
           </a:lstStyle>
           <a:p>
@@ -243,7 +679,7 @@
           <a:p>
             <a:fld id="{CFC60B5F-2253-DF41-8690-61B53F1555CE}" type="datetimeFigureOut">
               <a:rPr lang="en-US" smtClean="0"/>
-              <a:t>4/19/24</a:t>
+              <a:t>6/14/24</a:t>
             </a:fld>
             <a:endParaRPr lang="en-US"/>
           </a:p>
@@ -294,7 +730,7 @@
     </p:spTree>
     <p:extLst>
       <p:ext uri="{BB962C8B-B14F-4D97-AF65-F5344CB8AC3E}">
-        <p14:creationId xmlns:p14="http://schemas.microsoft.com/office/powerpoint/2010/main" val="1206260499"/>
+        <p14:creationId xmlns:p14="http://schemas.microsoft.com/office/powerpoint/2010/main" val="218937260"/>
       </p:ext>
     </p:extLst>
   </p:cSld>
@@ -413,7 +849,7 @@
           <a:p>
             <a:fld id="{CFC60B5F-2253-DF41-8690-61B53F1555CE}" type="datetimeFigureOut">
               <a:rPr lang="en-US" smtClean="0"/>
-              <a:t>4/19/24</a:t>
+              <a:t>6/14/24</a:t>
             </a:fld>
             <a:endParaRPr lang="en-US"/>
           </a:p>
@@ -464,7 +900,7 @@
     </p:spTree>
     <p:extLst>
       <p:ext uri="{BB962C8B-B14F-4D97-AF65-F5344CB8AC3E}">
-        <p14:creationId xmlns:p14="http://schemas.microsoft.com/office/powerpoint/2010/main" val="2905118027"/>
+        <p14:creationId xmlns:p14="http://schemas.microsoft.com/office/powerpoint/2010/main" val="1314993282"/>
       </p:ext>
     </p:extLst>
   </p:cSld>
@@ -503,8 +939,8 @@
         </p:nvSpPr>
         <p:spPr>
           <a:xfrm>
-            <a:off x="3926205" y="973666"/>
-            <a:ext cx="1183005" cy="15498235"/>
+            <a:off x="11778616" y="998008"/>
+            <a:ext cx="3549015" cy="15885691"/>
           </a:xfrm>
         </p:spPr>
         <p:txBody>
@@ -531,8 +967,8 @@
         </p:nvSpPr>
         <p:spPr>
           <a:xfrm>
-            <a:off x="377190" y="973666"/>
-            <a:ext cx="3480435" cy="15498235"/>
+            <a:off x="1131571" y="998008"/>
+            <a:ext cx="10441305" cy="15885691"/>
           </a:xfrm>
         </p:spPr>
         <p:txBody>
@@ -593,7 +1029,7 @@
           <a:p>
             <a:fld id="{CFC60B5F-2253-DF41-8690-61B53F1555CE}" type="datetimeFigureOut">
               <a:rPr lang="en-US" smtClean="0"/>
-              <a:t>4/19/24</a:t>
+              <a:t>6/14/24</a:t>
             </a:fld>
             <a:endParaRPr lang="en-US"/>
           </a:p>
@@ -644,7 +1080,7 @@
     </p:spTree>
     <p:extLst>
       <p:ext uri="{BB962C8B-B14F-4D97-AF65-F5344CB8AC3E}">
-        <p14:creationId xmlns:p14="http://schemas.microsoft.com/office/powerpoint/2010/main" val="3179952287"/>
+        <p14:creationId xmlns:p14="http://schemas.microsoft.com/office/powerpoint/2010/main" val="3720260462"/>
       </p:ext>
     </p:extLst>
   </p:cSld>
@@ -763,7 +1199,7 @@
           <a:p>
             <a:fld id="{CFC60B5F-2253-DF41-8690-61B53F1555CE}" type="datetimeFigureOut">
               <a:rPr lang="en-US" smtClean="0"/>
-              <a:t>4/19/24</a:t>
+              <a:t>6/14/24</a:t>
             </a:fld>
             <a:endParaRPr lang="en-US"/>
           </a:p>
@@ -814,7 +1250,7 @@
     </p:spTree>
     <p:extLst>
       <p:ext uri="{BB962C8B-B14F-4D97-AF65-F5344CB8AC3E}">
-        <p14:creationId xmlns:p14="http://schemas.microsoft.com/office/powerpoint/2010/main" val="294063291"/>
+        <p14:creationId xmlns:p14="http://schemas.microsoft.com/office/powerpoint/2010/main" val="1464940313"/>
       </p:ext>
     </p:extLst>
   </p:cSld>
@@ -853,15 +1289,15 @@
         </p:nvSpPr>
         <p:spPr>
           <a:xfrm>
-            <a:off x="374333" y="4559305"/>
-            <a:ext cx="4732020" cy="7607299"/>
+            <a:off x="1122998" y="4673288"/>
+            <a:ext cx="14196060" cy="7797481"/>
           </a:xfrm>
         </p:spPr>
         <p:txBody>
           <a:bodyPr anchor="b"/>
           <a:lstStyle>
             <a:lvl1pPr>
-              <a:defRPr sz="3600"/>
+              <a:defRPr sz="10800"/>
             </a:lvl1pPr>
           </a:lstStyle>
           <a:p>
@@ -885,8 +1321,8 @@
         </p:nvSpPr>
         <p:spPr>
           <a:xfrm>
-            <a:off x="374333" y="12238572"/>
-            <a:ext cx="4732020" cy="4000499"/>
+            <a:off x="1122998" y="12544536"/>
+            <a:ext cx="14196060" cy="4100511"/>
           </a:xfrm>
         </p:spPr>
         <p:txBody>
@@ -894,15 +1330,15 @@
           <a:lstStyle>
             <a:lvl1pPr marL="0" indent="0">
               <a:buNone/>
-              <a:defRPr sz="1440">
+              <a:defRPr sz="4320">
                 <a:solidFill>
                   <a:schemeClr val="tx1"/>
                 </a:solidFill>
               </a:defRPr>
             </a:lvl1pPr>
-            <a:lvl2pPr marL="274320" indent="0">
-              <a:buNone/>
-              <a:defRPr sz="1200">
+            <a:lvl2pPr marL="822960" indent="0">
+              <a:buNone/>
+              <a:defRPr sz="3600">
                 <a:solidFill>
                   <a:schemeClr val="tx1">
                     <a:tint val="75000"/>
@@ -910,9 +1346,9 @@
                 </a:solidFill>
               </a:defRPr>
             </a:lvl2pPr>
-            <a:lvl3pPr marL="548640" indent="0">
-              <a:buNone/>
-              <a:defRPr sz="1080">
+            <a:lvl3pPr marL="1645920" indent="0">
+              <a:buNone/>
+              <a:defRPr sz="3240">
                 <a:solidFill>
                   <a:schemeClr val="tx1">
                     <a:tint val="75000"/>
@@ -920,9 +1356,9 @@
                 </a:solidFill>
               </a:defRPr>
             </a:lvl3pPr>
-            <a:lvl4pPr marL="822960" indent="0">
-              <a:buNone/>
-              <a:defRPr sz="960">
+            <a:lvl4pPr marL="2468880" indent="0">
+              <a:buNone/>
+              <a:defRPr sz="2880">
                 <a:solidFill>
                   <a:schemeClr val="tx1">
                     <a:tint val="75000"/>
@@ -930,9 +1366,9 @@
                 </a:solidFill>
               </a:defRPr>
             </a:lvl4pPr>
-            <a:lvl5pPr marL="1097280" indent="0">
-              <a:buNone/>
-              <a:defRPr sz="960">
+            <a:lvl5pPr marL="3291840" indent="0">
+              <a:buNone/>
+              <a:defRPr sz="2880">
                 <a:solidFill>
                   <a:schemeClr val="tx1">
                     <a:tint val="75000"/>
@@ -940,9 +1376,9 @@
                 </a:solidFill>
               </a:defRPr>
             </a:lvl5pPr>
-            <a:lvl6pPr marL="1371600" indent="0">
-              <a:buNone/>
-              <a:defRPr sz="960">
+            <a:lvl6pPr marL="4114800" indent="0">
+              <a:buNone/>
+              <a:defRPr sz="2880">
                 <a:solidFill>
                   <a:schemeClr val="tx1">
                     <a:tint val="75000"/>
@@ -950,9 +1386,9 @@
                 </a:solidFill>
               </a:defRPr>
             </a:lvl6pPr>
-            <a:lvl7pPr marL="1645920" indent="0">
-              <a:buNone/>
-              <a:defRPr sz="960">
+            <a:lvl7pPr marL="4937760" indent="0">
+              <a:buNone/>
+              <a:defRPr sz="2880">
                 <a:solidFill>
                   <a:schemeClr val="tx1">
                     <a:tint val="75000"/>
@@ -960,9 +1396,9 @@
                 </a:solidFill>
               </a:defRPr>
             </a:lvl7pPr>
-            <a:lvl8pPr marL="1920240" indent="0">
-              <a:buNone/>
-              <a:defRPr sz="960">
+            <a:lvl8pPr marL="5760720" indent="0">
+              <a:buNone/>
+              <a:defRPr sz="2880">
                 <a:solidFill>
                   <a:schemeClr val="tx1">
                     <a:tint val="75000"/>
@@ -970,9 +1406,9 @@
                 </a:solidFill>
               </a:defRPr>
             </a:lvl8pPr>
-            <a:lvl9pPr marL="2194560" indent="0">
-              <a:buNone/>
-              <a:defRPr sz="960">
+            <a:lvl9pPr marL="6583680" indent="0">
+              <a:buNone/>
+              <a:defRPr sz="2880">
                 <a:solidFill>
                   <a:schemeClr val="tx1">
                     <a:tint val="75000"/>
@@ -1007,7 +1443,7 @@
           <a:p>
             <a:fld id="{CFC60B5F-2253-DF41-8690-61B53F1555CE}" type="datetimeFigureOut">
               <a:rPr lang="en-US" smtClean="0"/>
-              <a:t>4/19/24</a:t>
+              <a:t>6/14/24</a:t>
             </a:fld>
             <a:endParaRPr lang="en-US"/>
           </a:p>
@@ -1058,7 +1494,7 @@
     </p:spTree>
     <p:extLst>
       <p:ext uri="{BB962C8B-B14F-4D97-AF65-F5344CB8AC3E}">
-        <p14:creationId xmlns:p14="http://schemas.microsoft.com/office/powerpoint/2010/main" val="2697747704"/>
+        <p14:creationId xmlns:p14="http://schemas.microsoft.com/office/powerpoint/2010/main" val="3429685920"/>
       </p:ext>
     </p:extLst>
   </p:cSld>
@@ -1120,8 +1556,8 @@
         </p:nvSpPr>
         <p:spPr>
           <a:xfrm>
-            <a:off x="377190" y="4868333"/>
-            <a:ext cx="2331720" cy="11603568"/>
+            <a:off x="1131570" y="4990042"/>
+            <a:ext cx="6995160" cy="11893657"/>
           </a:xfrm>
         </p:spPr>
         <p:txBody>
@@ -1177,8 +1613,8 @@
         </p:nvSpPr>
         <p:spPr>
           <a:xfrm>
-            <a:off x="2777490" y="4868333"/>
-            <a:ext cx="2331720" cy="11603568"/>
+            <a:off x="8332470" y="4990042"/>
+            <a:ext cx="6995160" cy="11893657"/>
           </a:xfrm>
         </p:spPr>
         <p:txBody>
@@ -1239,7 +1675,7 @@
           <a:p>
             <a:fld id="{CFC60B5F-2253-DF41-8690-61B53F1555CE}" type="datetimeFigureOut">
               <a:rPr lang="en-US" smtClean="0"/>
-              <a:t>4/19/24</a:t>
+              <a:t>6/14/24</a:t>
             </a:fld>
             <a:endParaRPr lang="en-US"/>
           </a:p>
@@ -1290,7 +1726,7 @@
     </p:spTree>
     <p:extLst>
       <p:ext uri="{BB962C8B-B14F-4D97-AF65-F5344CB8AC3E}">
-        <p14:creationId xmlns:p14="http://schemas.microsoft.com/office/powerpoint/2010/main" val="454739518"/>
+        <p14:creationId xmlns:p14="http://schemas.microsoft.com/office/powerpoint/2010/main" val="3798878175"/>
       </p:ext>
     </p:extLst>
   </p:cSld>
@@ -1329,8 +1765,8 @@
         </p:nvSpPr>
         <p:spPr>
           <a:xfrm>
-            <a:off x="377905" y="973670"/>
-            <a:ext cx="4732020" cy="3534835"/>
+            <a:off x="1133714" y="998012"/>
+            <a:ext cx="14196060" cy="3623206"/>
           </a:xfrm>
         </p:spPr>
         <p:txBody>
@@ -1357,8 +1793,8 @@
         </p:nvSpPr>
         <p:spPr>
           <a:xfrm>
-            <a:off x="377905" y="4483101"/>
-            <a:ext cx="2321004" cy="2197099"/>
+            <a:off x="1133716" y="4595179"/>
+            <a:ext cx="6963012" cy="2252026"/>
           </a:xfrm>
         </p:spPr>
         <p:txBody>
@@ -1366,39 +1802,39 @@
           <a:lstStyle>
             <a:lvl1pPr marL="0" indent="0">
               <a:buNone/>
-              <a:defRPr sz="1440" b="1"/>
+              <a:defRPr sz="4320" b="1"/>
             </a:lvl1pPr>
-            <a:lvl2pPr marL="274320" indent="0">
-              <a:buNone/>
-              <a:defRPr sz="1200" b="1"/>
+            <a:lvl2pPr marL="822960" indent="0">
+              <a:buNone/>
+              <a:defRPr sz="3600" b="1"/>
             </a:lvl2pPr>
-            <a:lvl3pPr marL="548640" indent="0">
-              <a:buNone/>
-              <a:defRPr sz="1080" b="1"/>
+            <a:lvl3pPr marL="1645920" indent="0">
+              <a:buNone/>
+              <a:defRPr sz="3240" b="1"/>
             </a:lvl3pPr>
-            <a:lvl4pPr marL="822960" indent="0">
-              <a:buNone/>
-              <a:defRPr sz="960" b="1"/>
+            <a:lvl4pPr marL="2468880" indent="0">
+              <a:buNone/>
+              <a:defRPr sz="2880" b="1"/>
             </a:lvl4pPr>
-            <a:lvl5pPr marL="1097280" indent="0">
-              <a:buNone/>
-              <a:defRPr sz="960" b="1"/>
+            <a:lvl5pPr marL="3291840" indent="0">
+              <a:buNone/>
+              <a:defRPr sz="2880" b="1"/>
             </a:lvl5pPr>
-            <a:lvl6pPr marL="1371600" indent="0">
-              <a:buNone/>
-              <a:defRPr sz="960" b="1"/>
+            <a:lvl6pPr marL="4114800" indent="0">
+              <a:buNone/>
+              <a:defRPr sz="2880" b="1"/>
             </a:lvl6pPr>
-            <a:lvl7pPr marL="1645920" indent="0">
-              <a:buNone/>
-              <a:defRPr sz="960" b="1"/>
+            <a:lvl7pPr marL="4937760" indent="0">
+              <a:buNone/>
+              <a:defRPr sz="2880" b="1"/>
             </a:lvl7pPr>
-            <a:lvl8pPr marL="1920240" indent="0">
-              <a:buNone/>
-              <a:defRPr sz="960" b="1"/>
+            <a:lvl8pPr marL="5760720" indent="0">
+              <a:buNone/>
+              <a:defRPr sz="2880" b="1"/>
             </a:lvl8pPr>
-            <a:lvl9pPr marL="2194560" indent="0">
-              <a:buNone/>
-              <a:defRPr sz="960" b="1"/>
+            <a:lvl9pPr marL="6583680" indent="0">
+              <a:buNone/>
+              <a:defRPr sz="2880" b="1"/>
             </a:lvl9pPr>
           </a:lstStyle>
           <a:p>
@@ -1422,8 +1858,8 @@
         </p:nvSpPr>
         <p:spPr>
           <a:xfrm>
-            <a:off x="377905" y="6680200"/>
-            <a:ext cx="2321004" cy="9825568"/>
+            <a:off x="1133716" y="6847205"/>
+            <a:ext cx="6963012" cy="10071207"/>
           </a:xfrm>
         </p:spPr>
         <p:txBody>
@@ -1479,8 +1915,8 @@
         </p:nvSpPr>
         <p:spPr>
           <a:xfrm>
-            <a:off x="2777490" y="4483101"/>
-            <a:ext cx="2332435" cy="2197099"/>
+            <a:off x="8332471" y="4595179"/>
+            <a:ext cx="6997304" cy="2252026"/>
           </a:xfrm>
         </p:spPr>
         <p:txBody>
@@ -1488,39 +1924,39 @@
           <a:lstStyle>
             <a:lvl1pPr marL="0" indent="0">
               <a:buNone/>
-              <a:defRPr sz="1440" b="1"/>
+              <a:defRPr sz="4320" b="1"/>
             </a:lvl1pPr>
-            <a:lvl2pPr marL="274320" indent="0">
-              <a:buNone/>
-              <a:defRPr sz="1200" b="1"/>
+            <a:lvl2pPr marL="822960" indent="0">
+              <a:buNone/>
+              <a:defRPr sz="3600" b="1"/>
             </a:lvl2pPr>
-            <a:lvl3pPr marL="548640" indent="0">
-              <a:buNone/>
-              <a:defRPr sz="1080" b="1"/>
+            <a:lvl3pPr marL="1645920" indent="0">
+              <a:buNone/>
+              <a:defRPr sz="3240" b="1"/>
             </a:lvl3pPr>
-            <a:lvl4pPr marL="822960" indent="0">
-              <a:buNone/>
-              <a:defRPr sz="960" b="1"/>
+            <a:lvl4pPr marL="2468880" indent="0">
+              <a:buNone/>
+              <a:defRPr sz="2880" b="1"/>
             </a:lvl4pPr>
-            <a:lvl5pPr marL="1097280" indent="0">
-              <a:buNone/>
-              <a:defRPr sz="960" b="1"/>
+            <a:lvl5pPr marL="3291840" indent="0">
+              <a:buNone/>
+              <a:defRPr sz="2880" b="1"/>
             </a:lvl5pPr>
-            <a:lvl6pPr marL="1371600" indent="0">
-              <a:buNone/>
-              <a:defRPr sz="960" b="1"/>
+            <a:lvl6pPr marL="4114800" indent="0">
+              <a:buNone/>
+              <a:defRPr sz="2880" b="1"/>
             </a:lvl6pPr>
-            <a:lvl7pPr marL="1645920" indent="0">
-              <a:buNone/>
-              <a:defRPr sz="960" b="1"/>
+            <a:lvl7pPr marL="4937760" indent="0">
+              <a:buNone/>
+              <a:defRPr sz="2880" b="1"/>
             </a:lvl7pPr>
-            <a:lvl8pPr marL="1920240" indent="0">
-              <a:buNone/>
-              <a:defRPr sz="960" b="1"/>
+            <a:lvl8pPr marL="5760720" indent="0">
+              <a:buNone/>
+              <a:defRPr sz="2880" b="1"/>
             </a:lvl8pPr>
-            <a:lvl9pPr marL="2194560" indent="0">
-              <a:buNone/>
-              <a:defRPr sz="960" b="1"/>
+            <a:lvl9pPr marL="6583680" indent="0">
+              <a:buNone/>
+              <a:defRPr sz="2880" b="1"/>
             </a:lvl9pPr>
           </a:lstStyle>
           <a:p>
@@ -1544,8 +1980,8 @@
         </p:nvSpPr>
         <p:spPr>
           <a:xfrm>
-            <a:off x="2777490" y="6680200"/>
-            <a:ext cx="2332435" cy="9825568"/>
+            <a:off x="8332471" y="6847205"/>
+            <a:ext cx="6997304" cy="10071207"/>
           </a:xfrm>
         </p:spPr>
         <p:txBody>
@@ -1606,7 +2042,7 @@
           <a:p>
             <a:fld id="{CFC60B5F-2253-DF41-8690-61B53F1555CE}" type="datetimeFigureOut">
               <a:rPr lang="en-US" smtClean="0"/>
-              <a:t>4/19/24</a:t>
+              <a:t>6/14/24</a:t>
             </a:fld>
             <a:endParaRPr lang="en-US"/>
           </a:p>
@@ -1657,7 +2093,7 @@
     </p:spTree>
     <p:extLst>
       <p:ext uri="{BB962C8B-B14F-4D97-AF65-F5344CB8AC3E}">
-        <p14:creationId xmlns:p14="http://schemas.microsoft.com/office/powerpoint/2010/main" val="2384714133"/>
+        <p14:creationId xmlns:p14="http://schemas.microsoft.com/office/powerpoint/2010/main" val="2544942437"/>
       </p:ext>
     </p:extLst>
   </p:cSld>
@@ -1724,7 +2160,7 @@
           <a:p>
             <a:fld id="{CFC60B5F-2253-DF41-8690-61B53F1555CE}" type="datetimeFigureOut">
               <a:rPr lang="en-US" smtClean="0"/>
-              <a:t>4/19/24</a:t>
+              <a:t>6/14/24</a:t>
             </a:fld>
             <a:endParaRPr lang="en-US"/>
           </a:p>
@@ -1775,7 +2211,7 @@
     </p:spTree>
     <p:extLst>
       <p:ext uri="{BB962C8B-B14F-4D97-AF65-F5344CB8AC3E}">
-        <p14:creationId xmlns:p14="http://schemas.microsoft.com/office/powerpoint/2010/main" val="4048223159"/>
+        <p14:creationId xmlns:p14="http://schemas.microsoft.com/office/powerpoint/2010/main" val="36264307"/>
       </p:ext>
     </p:extLst>
   </p:cSld>
@@ -1819,7 +2255,7 @@
           <a:p>
             <a:fld id="{CFC60B5F-2253-DF41-8690-61B53F1555CE}" type="datetimeFigureOut">
               <a:rPr lang="en-US" smtClean="0"/>
-              <a:t>4/19/24</a:t>
+              <a:t>6/14/24</a:t>
             </a:fld>
             <a:endParaRPr lang="en-US"/>
           </a:p>
@@ -1870,7 +2306,7 @@
     </p:spTree>
     <p:extLst>
       <p:ext uri="{BB962C8B-B14F-4D97-AF65-F5344CB8AC3E}">
-        <p14:creationId xmlns:p14="http://schemas.microsoft.com/office/powerpoint/2010/main" val="2949063441"/>
+        <p14:creationId xmlns:p14="http://schemas.microsoft.com/office/powerpoint/2010/main" val="1331134589"/>
       </p:ext>
     </p:extLst>
   </p:cSld>
@@ -1909,15 +2345,15 @@
         </p:nvSpPr>
         <p:spPr>
           <a:xfrm>
-            <a:off x="377905" y="1219200"/>
-            <a:ext cx="1769507" cy="4267200"/>
+            <a:off x="1133714" y="1249680"/>
+            <a:ext cx="5308520" cy="4373880"/>
           </a:xfrm>
         </p:spPr>
         <p:txBody>
           <a:bodyPr anchor="b"/>
           <a:lstStyle>
             <a:lvl1pPr>
-              <a:defRPr sz="1920"/>
+              <a:defRPr sz="5760"/>
             </a:lvl1pPr>
           </a:lstStyle>
           <a:p>
@@ -1941,39 +2377,39 @@
         </p:nvSpPr>
         <p:spPr>
           <a:xfrm>
-            <a:off x="2332435" y="2633137"/>
-            <a:ext cx="2777490" cy="12996333"/>
+            <a:off x="6997304" y="2698966"/>
+            <a:ext cx="8332470" cy="13321242"/>
           </a:xfrm>
         </p:spPr>
         <p:txBody>
           <a:bodyPr/>
           <a:lstStyle>
             <a:lvl1pPr>
-              <a:defRPr sz="1920"/>
+              <a:defRPr sz="5760"/>
             </a:lvl1pPr>
             <a:lvl2pPr>
-              <a:defRPr sz="1680"/>
+              <a:defRPr sz="5040"/>
             </a:lvl2pPr>
             <a:lvl3pPr>
-              <a:defRPr sz="1440"/>
+              <a:defRPr sz="4320"/>
             </a:lvl3pPr>
             <a:lvl4pPr>
-              <a:defRPr sz="1200"/>
+              <a:defRPr sz="3600"/>
             </a:lvl4pPr>
             <a:lvl5pPr>
-              <a:defRPr sz="1200"/>
+              <a:defRPr sz="3600"/>
             </a:lvl5pPr>
             <a:lvl6pPr>
-              <a:defRPr sz="1200"/>
+              <a:defRPr sz="3600"/>
             </a:lvl6pPr>
             <a:lvl7pPr>
-              <a:defRPr sz="1200"/>
+              <a:defRPr sz="3600"/>
             </a:lvl7pPr>
             <a:lvl8pPr>
-              <a:defRPr sz="1200"/>
+              <a:defRPr sz="3600"/>
             </a:lvl8pPr>
             <a:lvl9pPr>
-              <a:defRPr sz="1200"/>
+              <a:defRPr sz="3600"/>
             </a:lvl9pPr>
           </a:lstStyle>
           <a:p>
@@ -2026,8 +2462,8 @@
         </p:nvSpPr>
         <p:spPr>
           <a:xfrm>
-            <a:off x="377905" y="5486400"/>
-            <a:ext cx="1769507" cy="10164235"/>
+            <a:off x="1133714" y="5623560"/>
+            <a:ext cx="5308520" cy="10418341"/>
           </a:xfrm>
         </p:spPr>
         <p:txBody>
@@ -2035,39 +2471,39 @@
           <a:lstStyle>
             <a:lvl1pPr marL="0" indent="0">
               <a:buNone/>
-              <a:defRPr sz="960"/>
+              <a:defRPr sz="2880"/>
             </a:lvl1pPr>
-            <a:lvl2pPr marL="274320" indent="0">
-              <a:buNone/>
-              <a:defRPr sz="840"/>
+            <a:lvl2pPr marL="822960" indent="0">
+              <a:buNone/>
+              <a:defRPr sz="2520"/>
             </a:lvl2pPr>
-            <a:lvl3pPr marL="548640" indent="0">
-              <a:buNone/>
-              <a:defRPr sz="720"/>
+            <a:lvl3pPr marL="1645920" indent="0">
+              <a:buNone/>
+              <a:defRPr sz="2160"/>
             </a:lvl3pPr>
-            <a:lvl4pPr marL="822960" indent="0">
-              <a:buNone/>
-              <a:defRPr sz="600"/>
+            <a:lvl4pPr marL="2468880" indent="0">
+              <a:buNone/>
+              <a:defRPr sz="1800"/>
             </a:lvl4pPr>
-            <a:lvl5pPr marL="1097280" indent="0">
-              <a:buNone/>
-              <a:defRPr sz="600"/>
+            <a:lvl5pPr marL="3291840" indent="0">
+              <a:buNone/>
+              <a:defRPr sz="1800"/>
             </a:lvl5pPr>
-            <a:lvl6pPr marL="1371600" indent="0">
-              <a:buNone/>
-              <a:defRPr sz="600"/>
+            <a:lvl6pPr marL="4114800" indent="0">
+              <a:buNone/>
+              <a:defRPr sz="1800"/>
             </a:lvl6pPr>
-            <a:lvl7pPr marL="1645920" indent="0">
-              <a:buNone/>
-              <a:defRPr sz="600"/>
+            <a:lvl7pPr marL="4937760" indent="0">
+              <a:buNone/>
+              <a:defRPr sz="1800"/>
             </a:lvl7pPr>
-            <a:lvl8pPr marL="1920240" indent="0">
-              <a:buNone/>
-              <a:defRPr sz="600"/>
+            <a:lvl8pPr marL="5760720" indent="0">
+              <a:buNone/>
+              <a:defRPr sz="1800"/>
             </a:lvl8pPr>
-            <a:lvl9pPr marL="2194560" indent="0">
-              <a:buNone/>
-              <a:defRPr sz="600"/>
+            <a:lvl9pPr marL="6583680" indent="0">
+              <a:buNone/>
+              <a:defRPr sz="1800"/>
             </a:lvl9pPr>
           </a:lstStyle>
           <a:p>
@@ -2096,7 +2532,7 @@
           <a:p>
             <a:fld id="{CFC60B5F-2253-DF41-8690-61B53F1555CE}" type="datetimeFigureOut">
               <a:rPr lang="en-US" smtClean="0"/>
-              <a:t>4/19/24</a:t>
+              <a:t>6/14/24</a:t>
             </a:fld>
             <a:endParaRPr lang="en-US"/>
           </a:p>
@@ -2147,7 +2583,7 @@
     </p:spTree>
     <p:extLst>
       <p:ext uri="{BB962C8B-B14F-4D97-AF65-F5344CB8AC3E}">
-        <p14:creationId xmlns:p14="http://schemas.microsoft.com/office/powerpoint/2010/main" val="498034870"/>
+        <p14:creationId xmlns:p14="http://schemas.microsoft.com/office/powerpoint/2010/main" val="3752282315"/>
       </p:ext>
     </p:extLst>
   </p:cSld>
@@ -2186,15 +2622,15 @@
         </p:nvSpPr>
         <p:spPr>
           <a:xfrm>
-            <a:off x="377905" y="1219200"/>
-            <a:ext cx="1769507" cy="4267200"/>
+            <a:off x="1133714" y="1249680"/>
+            <a:ext cx="5308520" cy="4373880"/>
           </a:xfrm>
         </p:spPr>
         <p:txBody>
           <a:bodyPr anchor="b"/>
           <a:lstStyle>
             <a:lvl1pPr>
-              <a:defRPr sz="1920"/>
+              <a:defRPr sz="5760"/>
             </a:lvl1pPr>
           </a:lstStyle>
           <a:p>
@@ -2218,8 +2654,8 @@
         </p:nvSpPr>
         <p:spPr>
           <a:xfrm>
-            <a:off x="2332435" y="2633137"/>
-            <a:ext cx="2777490" cy="12996333"/>
+            <a:off x="6997304" y="2698966"/>
+            <a:ext cx="8332470" cy="13321242"/>
           </a:xfrm>
         </p:spPr>
         <p:txBody>
@@ -2227,39 +2663,39 @@
           <a:lstStyle>
             <a:lvl1pPr marL="0" indent="0">
               <a:buNone/>
-              <a:defRPr sz="1920"/>
+              <a:defRPr sz="5760"/>
             </a:lvl1pPr>
-            <a:lvl2pPr marL="274320" indent="0">
-              <a:buNone/>
-              <a:defRPr sz="1680"/>
+            <a:lvl2pPr marL="822960" indent="0">
+              <a:buNone/>
+              <a:defRPr sz="5040"/>
             </a:lvl2pPr>
-            <a:lvl3pPr marL="548640" indent="0">
-              <a:buNone/>
-              <a:defRPr sz="1440"/>
+            <a:lvl3pPr marL="1645920" indent="0">
+              <a:buNone/>
+              <a:defRPr sz="4320"/>
             </a:lvl3pPr>
-            <a:lvl4pPr marL="822960" indent="0">
-              <a:buNone/>
-              <a:defRPr sz="1200"/>
+            <a:lvl4pPr marL="2468880" indent="0">
+              <a:buNone/>
+              <a:defRPr sz="3600"/>
             </a:lvl4pPr>
-            <a:lvl5pPr marL="1097280" indent="0">
-              <a:buNone/>
-              <a:defRPr sz="1200"/>
+            <a:lvl5pPr marL="3291840" indent="0">
+              <a:buNone/>
+              <a:defRPr sz="3600"/>
             </a:lvl5pPr>
-            <a:lvl6pPr marL="1371600" indent="0">
-              <a:buNone/>
-              <a:defRPr sz="1200"/>
+            <a:lvl6pPr marL="4114800" indent="0">
+              <a:buNone/>
+              <a:defRPr sz="3600"/>
             </a:lvl6pPr>
-            <a:lvl7pPr marL="1645920" indent="0">
-              <a:buNone/>
-              <a:defRPr sz="1200"/>
+            <a:lvl7pPr marL="4937760" indent="0">
+              <a:buNone/>
+              <a:defRPr sz="3600"/>
             </a:lvl7pPr>
-            <a:lvl8pPr marL="1920240" indent="0">
-              <a:buNone/>
-              <a:defRPr sz="1200"/>
+            <a:lvl8pPr marL="5760720" indent="0">
+              <a:buNone/>
+              <a:defRPr sz="3600"/>
             </a:lvl8pPr>
-            <a:lvl9pPr marL="2194560" indent="0">
-              <a:buNone/>
-              <a:defRPr sz="1200"/>
+            <a:lvl9pPr marL="6583680" indent="0">
+              <a:buNone/>
+              <a:defRPr sz="3600"/>
             </a:lvl9pPr>
           </a:lstStyle>
           <a:p>
@@ -2283,8 +2719,8 @@
         </p:nvSpPr>
         <p:spPr>
           <a:xfrm>
-            <a:off x="377905" y="5486400"/>
-            <a:ext cx="1769507" cy="10164235"/>
+            <a:off x="1133714" y="5623560"/>
+            <a:ext cx="5308520" cy="10418341"/>
           </a:xfrm>
         </p:spPr>
         <p:txBody>
@@ -2292,39 +2728,39 @@
           <a:lstStyle>
             <a:lvl1pPr marL="0" indent="0">
               <a:buNone/>
-              <a:defRPr sz="960"/>
+              <a:defRPr sz="2880"/>
             </a:lvl1pPr>
-            <a:lvl2pPr marL="274320" indent="0">
-              <a:buNone/>
-              <a:defRPr sz="840"/>
+            <a:lvl2pPr marL="822960" indent="0">
+              <a:buNone/>
+              <a:defRPr sz="2520"/>
             </a:lvl2pPr>
-            <a:lvl3pPr marL="548640" indent="0">
-              <a:buNone/>
-              <a:defRPr sz="720"/>
+            <a:lvl3pPr marL="1645920" indent="0">
+              <a:buNone/>
+              <a:defRPr sz="2160"/>
             </a:lvl3pPr>
-            <a:lvl4pPr marL="822960" indent="0">
-              <a:buNone/>
-              <a:defRPr sz="600"/>
+            <a:lvl4pPr marL="2468880" indent="0">
+              <a:buNone/>
+              <a:defRPr sz="1800"/>
             </a:lvl4pPr>
-            <a:lvl5pPr marL="1097280" indent="0">
-              <a:buNone/>
-              <a:defRPr sz="600"/>
+            <a:lvl5pPr marL="3291840" indent="0">
+              <a:buNone/>
+              <a:defRPr sz="1800"/>
             </a:lvl5pPr>
-            <a:lvl6pPr marL="1371600" indent="0">
-              <a:buNone/>
-              <a:defRPr sz="600"/>
+            <a:lvl6pPr marL="4114800" indent="0">
+              <a:buNone/>
+              <a:defRPr sz="1800"/>
             </a:lvl6pPr>
-            <a:lvl7pPr marL="1645920" indent="0">
-              <a:buNone/>
-              <a:defRPr sz="600"/>
+            <a:lvl7pPr marL="4937760" indent="0">
+              <a:buNone/>
+              <a:defRPr sz="1800"/>
             </a:lvl7pPr>
-            <a:lvl8pPr marL="1920240" indent="0">
-              <a:buNone/>
-              <a:defRPr sz="600"/>
+            <a:lvl8pPr marL="5760720" indent="0">
+              <a:buNone/>
+              <a:defRPr sz="1800"/>
             </a:lvl8pPr>
-            <a:lvl9pPr marL="2194560" indent="0">
-              <a:buNone/>
-              <a:defRPr sz="600"/>
+            <a:lvl9pPr marL="6583680" indent="0">
+              <a:buNone/>
+              <a:defRPr sz="1800"/>
             </a:lvl9pPr>
           </a:lstStyle>
           <a:p>
@@ -2353,7 +2789,7 @@
           <a:p>
             <a:fld id="{CFC60B5F-2253-DF41-8690-61B53F1555CE}" type="datetimeFigureOut">
               <a:rPr lang="en-US" smtClean="0"/>
-              <a:t>4/19/24</a:t>
+              <a:t>6/14/24</a:t>
             </a:fld>
             <a:endParaRPr lang="en-US"/>
           </a:p>
@@ -2404,7 +2840,7 @@
     </p:spTree>
     <p:extLst>
       <p:ext uri="{BB962C8B-B14F-4D97-AF65-F5344CB8AC3E}">
-        <p14:creationId xmlns:p14="http://schemas.microsoft.com/office/powerpoint/2010/main" val="3210612883"/>
+        <p14:creationId xmlns:p14="http://schemas.microsoft.com/office/powerpoint/2010/main" val="3825740221"/>
       </p:ext>
     </p:extLst>
   </p:cSld>
@@ -2448,8 +2884,8 @@
         </p:nvSpPr>
         <p:spPr>
           <a:xfrm>
-            <a:off x="377190" y="973670"/>
-            <a:ext cx="4732020" cy="3534835"/>
+            <a:off x="1131570" y="998012"/>
+            <a:ext cx="14196060" cy="3623206"/>
           </a:xfrm>
           <a:prstGeom prst="rect">
             <a:avLst/>
@@ -2481,8 +2917,8 @@
         </p:nvSpPr>
         <p:spPr>
           <a:xfrm>
-            <a:off x="377190" y="4868333"/>
-            <a:ext cx="4732020" cy="11603568"/>
+            <a:off x="1131570" y="4990042"/>
+            <a:ext cx="14196060" cy="11893657"/>
           </a:xfrm>
           <a:prstGeom prst="rect">
             <a:avLst/>
@@ -2543,8 +2979,8 @@
         </p:nvSpPr>
         <p:spPr>
           <a:xfrm>
-            <a:off x="377190" y="16950271"/>
-            <a:ext cx="1234440" cy="973667"/>
+            <a:off x="1131570" y="17374028"/>
+            <a:ext cx="3703320" cy="998008"/>
           </a:xfrm>
           <a:prstGeom prst="rect">
             <a:avLst/>
@@ -2554,7 +2990,7 @@
           <a:bodyPr vert="horz" lIns="91440" tIns="45720" rIns="91440" bIns="45720" rtlCol="0" anchor="ctr"/>
           <a:lstStyle>
             <a:lvl1pPr algn="l">
-              <a:defRPr sz="720">
+              <a:defRPr sz="2160">
                 <a:solidFill>
                   <a:schemeClr val="tx1">
                     <a:tint val="75000"/>
@@ -2566,7 +3002,7 @@
           <a:p>
             <a:fld id="{CFC60B5F-2253-DF41-8690-61B53F1555CE}" type="datetimeFigureOut">
               <a:rPr lang="en-US" smtClean="0"/>
-              <a:t>4/19/24</a:t>
+              <a:t>6/14/24</a:t>
             </a:fld>
             <a:endParaRPr lang="en-US"/>
           </a:p>
@@ -2584,8 +3020,8 @@
         </p:nvSpPr>
         <p:spPr>
           <a:xfrm>
-            <a:off x="1817370" y="16950271"/>
-            <a:ext cx="1851660" cy="973667"/>
+            <a:off x="5452110" y="17374028"/>
+            <a:ext cx="5554980" cy="998008"/>
           </a:xfrm>
           <a:prstGeom prst="rect">
             <a:avLst/>
@@ -2595,7 +3031,7 @@
           <a:bodyPr vert="horz" lIns="91440" tIns="45720" rIns="91440" bIns="45720" rtlCol="0" anchor="ctr"/>
           <a:lstStyle>
             <a:lvl1pPr algn="ctr">
-              <a:defRPr sz="720">
+              <a:defRPr sz="2160">
                 <a:solidFill>
                   <a:schemeClr val="tx1">
                     <a:tint val="75000"/>
@@ -2621,8 +3057,8 @@
         </p:nvSpPr>
         <p:spPr>
           <a:xfrm>
-            <a:off x="3874770" y="16950271"/>
-            <a:ext cx="1234440" cy="973667"/>
+            <a:off x="11624310" y="17374028"/>
+            <a:ext cx="3703320" cy="998008"/>
           </a:xfrm>
           <a:prstGeom prst="rect">
             <a:avLst/>
@@ -2632,7 +3068,7 @@
           <a:bodyPr vert="horz" lIns="91440" tIns="45720" rIns="91440" bIns="45720" rtlCol="0" anchor="ctr"/>
           <a:lstStyle>
             <a:lvl1pPr algn="r">
-              <a:defRPr sz="720">
+              <a:defRPr sz="2160">
                 <a:solidFill>
                   <a:schemeClr val="tx1">
                     <a:tint val="75000"/>
@@ -2653,27 +3089,27 @@
     </p:spTree>
     <p:extLst>
       <p:ext uri="{BB962C8B-B14F-4D97-AF65-F5344CB8AC3E}">
-        <p14:creationId xmlns:p14="http://schemas.microsoft.com/office/powerpoint/2010/main" val="1682348213"/>
+        <p14:creationId xmlns:p14="http://schemas.microsoft.com/office/powerpoint/2010/main" val="3142964817"/>
       </p:ext>
     </p:extLst>
   </p:cSld>
   <p:clrMap bg1="lt1" tx1="dk1" bg2="lt2" tx2="dk2" accent1="accent1" accent2="accent2" accent3="accent3" accent4="accent4" accent5="accent5" accent6="accent6" hlink="hlink" folHlink="folHlink"/>
   <p:sldLayoutIdLst>
-    <p:sldLayoutId id="2147483673" r:id="rId1"/>
-    <p:sldLayoutId id="2147483674" r:id="rId2"/>
-    <p:sldLayoutId id="2147483675" r:id="rId3"/>
-    <p:sldLayoutId id="2147483676" r:id="rId4"/>
-    <p:sldLayoutId id="2147483677" r:id="rId5"/>
-    <p:sldLayoutId id="2147483678" r:id="rId6"/>
-    <p:sldLayoutId id="2147483679" r:id="rId7"/>
-    <p:sldLayoutId id="2147483680" r:id="rId8"/>
-    <p:sldLayoutId id="2147483681" r:id="rId9"/>
-    <p:sldLayoutId id="2147483682" r:id="rId10"/>
-    <p:sldLayoutId id="2147483683" r:id="rId11"/>
+    <p:sldLayoutId id="2147483685" r:id="rId1"/>
+    <p:sldLayoutId id="2147483686" r:id="rId2"/>
+    <p:sldLayoutId id="2147483687" r:id="rId3"/>
+    <p:sldLayoutId id="2147483688" r:id="rId4"/>
+    <p:sldLayoutId id="2147483689" r:id="rId5"/>
+    <p:sldLayoutId id="2147483690" r:id="rId6"/>
+    <p:sldLayoutId id="2147483691" r:id="rId7"/>
+    <p:sldLayoutId id="2147483692" r:id="rId8"/>
+    <p:sldLayoutId id="2147483693" r:id="rId9"/>
+    <p:sldLayoutId id="2147483694" r:id="rId10"/>
+    <p:sldLayoutId id="2147483695" r:id="rId11"/>
   </p:sldLayoutIdLst>
   <p:txStyles>
     <p:titleStyle>
-      <a:lvl1pPr algn="l" defTabSz="548640" rtl="0" eaLnBrk="1" latinLnBrk="0" hangingPunct="1">
+      <a:lvl1pPr algn="l" defTabSz="1645920" rtl="0" eaLnBrk="1" latinLnBrk="0" hangingPunct="1">
         <a:lnSpc>
           <a:spcPct val="90000"/>
         </a:lnSpc>
@@ -2681,7 +3117,7 @@
           <a:spcPct val="0"/>
         </a:spcBef>
         <a:buNone/>
-        <a:defRPr sz="2640" kern="1200">
+        <a:defRPr sz="7920" kern="1200">
           <a:solidFill>
             <a:schemeClr val="tx1"/>
           </a:solidFill>
@@ -2692,16 +3128,16 @@
       </a:lvl1pPr>
     </p:titleStyle>
     <p:bodyStyle>
-      <a:lvl1pPr marL="137160" indent="-137160" algn="l" defTabSz="548640" rtl="0" eaLnBrk="1" latinLnBrk="0" hangingPunct="1">
+      <a:lvl1pPr marL="411480" indent="-411480" algn="l" defTabSz="1645920" rtl="0" eaLnBrk="1" latinLnBrk="0" hangingPunct="1">
         <a:lnSpc>
           <a:spcPct val="90000"/>
         </a:lnSpc>
         <a:spcBef>
-          <a:spcPts val="600"/>
+          <a:spcPts val="1800"/>
         </a:spcBef>
         <a:buFont typeface="Arial" panose="020B0604020202020204" pitchFamily="34" charset="0"/>
         <a:buChar char="•"/>
-        <a:defRPr sz="1680" kern="1200">
+        <a:defRPr sz="5040" kern="1200">
           <a:solidFill>
             <a:schemeClr val="tx1"/>
           </a:solidFill>
@@ -2710,16 +3146,16 @@
           <a:cs typeface="+mn-cs"/>
         </a:defRPr>
       </a:lvl1pPr>
-      <a:lvl2pPr marL="411480" indent="-137160" algn="l" defTabSz="548640" rtl="0" eaLnBrk="1" latinLnBrk="0" hangingPunct="1">
+      <a:lvl2pPr marL="1234440" indent="-411480" algn="l" defTabSz="1645920" rtl="0" eaLnBrk="1" latinLnBrk="0" hangingPunct="1">
         <a:lnSpc>
           <a:spcPct val="90000"/>
         </a:lnSpc>
         <a:spcBef>
-          <a:spcPts val="300"/>
+          <a:spcPts val="900"/>
         </a:spcBef>
         <a:buFont typeface="Arial" panose="020B0604020202020204" pitchFamily="34" charset="0"/>
         <a:buChar char="•"/>
-        <a:defRPr sz="1440" kern="1200">
+        <a:defRPr sz="4320" kern="1200">
           <a:solidFill>
             <a:schemeClr val="tx1"/>
           </a:solidFill>
@@ -2728,16 +3164,16 @@
           <a:cs typeface="+mn-cs"/>
         </a:defRPr>
       </a:lvl2pPr>
-      <a:lvl3pPr marL="685800" indent="-137160" algn="l" defTabSz="548640" rtl="0" eaLnBrk="1" latinLnBrk="0" hangingPunct="1">
+      <a:lvl3pPr marL="2057400" indent="-411480" algn="l" defTabSz="1645920" rtl="0" eaLnBrk="1" latinLnBrk="0" hangingPunct="1">
         <a:lnSpc>
           <a:spcPct val="90000"/>
         </a:lnSpc>
         <a:spcBef>
-          <a:spcPts val="300"/>
+          <a:spcPts val="900"/>
         </a:spcBef>
         <a:buFont typeface="Arial" panose="020B0604020202020204" pitchFamily="34" charset="0"/>
         <a:buChar char="•"/>
-        <a:defRPr sz="1200" kern="1200">
+        <a:defRPr sz="3600" kern="1200">
           <a:solidFill>
             <a:schemeClr val="tx1"/>
           </a:solidFill>
@@ -2746,16 +3182,16 @@
           <a:cs typeface="+mn-cs"/>
         </a:defRPr>
       </a:lvl3pPr>
-      <a:lvl4pPr marL="960120" indent="-137160" algn="l" defTabSz="548640" rtl="0" eaLnBrk="1" latinLnBrk="0" hangingPunct="1">
+      <a:lvl4pPr marL="2880360" indent="-411480" algn="l" defTabSz="1645920" rtl="0" eaLnBrk="1" latinLnBrk="0" hangingPunct="1">
         <a:lnSpc>
           <a:spcPct val="90000"/>
         </a:lnSpc>
         <a:spcBef>
-          <a:spcPts val="300"/>
+          <a:spcPts val="900"/>
         </a:spcBef>
         <a:buFont typeface="Arial" panose="020B0604020202020204" pitchFamily="34" charset="0"/>
         <a:buChar char="•"/>
-        <a:defRPr sz="1080" kern="1200">
+        <a:defRPr sz="3240" kern="1200">
           <a:solidFill>
             <a:schemeClr val="tx1"/>
           </a:solidFill>
@@ -2764,16 +3200,16 @@
           <a:cs typeface="+mn-cs"/>
         </a:defRPr>
       </a:lvl4pPr>
-      <a:lvl5pPr marL="1234440" indent="-137160" algn="l" defTabSz="548640" rtl="0" eaLnBrk="1" latinLnBrk="0" hangingPunct="1">
+      <a:lvl5pPr marL="3703320" indent="-411480" algn="l" defTabSz="1645920" rtl="0" eaLnBrk="1" latinLnBrk="0" hangingPunct="1">
         <a:lnSpc>
           <a:spcPct val="90000"/>
         </a:lnSpc>
         <a:spcBef>
-          <a:spcPts val="300"/>
+          <a:spcPts val="900"/>
         </a:spcBef>
         <a:buFont typeface="Arial" panose="020B0604020202020204" pitchFamily="34" charset="0"/>
         <a:buChar char="•"/>
-        <a:defRPr sz="1080" kern="1200">
+        <a:defRPr sz="3240" kern="1200">
           <a:solidFill>
             <a:schemeClr val="tx1"/>
           </a:solidFill>
@@ -2782,16 +3218,16 @@
           <a:cs typeface="+mn-cs"/>
         </a:defRPr>
       </a:lvl5pPr>
-      <a:lvl6pPr marL="1508760" indent="-137160" algn="l" defTabSz="548640" rtl="0" eaLnBrk="1" latinLnBrk="0" hangingPunct="1">
+      <a:lvl6pPr marL="4526280" indent="-411480" algn="l" defTabSz="1645920" rtl="0" eaLnBrk="1" latinLnBrk="0" hangingPunct="1">
         <a:lnSpc>
           <a:spcPct val="90000"/>
         </a:lnSpc>
         <a:spcBef>
-          <a:spcPts val="300"/>
+          <a:spcPts val="900"/>
         </a:spcBef>
         <a:buFont typeface="Arial" panose="020B0604020202020204" pitchFamily="34" charset="0"/>
         <a:buChar char="•"/>
-        <a:defRPr sz="1080" kern="1200">
+        <a:defRPr sz="3240" kern="1200">
           <a:solidFill>
             <a:schemeClr val="tx1"/>
           </a:solidFill>
@@ -2800,16 +3236,16 @@
           <a:cs typeface="+mn-cs"/>
         </a:defRPr>
       </a:lvl6pPr>
-      <a:lvl7pPr marL="1783080" indent="-137160" algn="l" defTabSz="548640" rtl="0" eaLnBrk="1" latinLnBrk="0" hangingPunct="1">
+      <a:lvl7pPr marL="5349240" indent="-411480" algn="l" defTabSz="1645920" rtl="0" eaLnBrk="1" latinLnBrk="0" hangingPunct="1">
         <a:lnSpc>
           <a:spcPct val="90000"/>
         </a:lnSpc>
         <a:spcBef>
-          <a:spcPts val="300"/>
+          <a:spcPts val="900"/>
         </a:spcBef>
         <a:buFont typeface="Arial" panose="020B0604020202020204" pitchFamily="34" charset="0"/>
         <a:buChar char="•"/>
-        <a:defRPr sz="1080" kern="1200">
+        <a:defRPr sz="3240" kern="1200">
           <a:solidFill>
             <a:schemeClr val="tx1"/>
           </a:solidFill>
@@ -2818,16 +3254,16 @@
           <a:cs typeface="+mn-cs"/>
         </a:defRPr>
       </a:lvl7pPr>
-      <a:lvl8pPr marL="2057400" indent="-137160" algn="l" defTabSz="548640" rtl="0" eaLnBrk="1" latinLnBrk="0" hangingPunct="1">
+      <a:lvl8pPr marL="6172200" indent="-411480" algn="l" defTabSz="1645920" rtl="0" eaLnBrk="1" latinLnBrk="0" hangingPunct="1">
         <a:lnSpc>
           <a:spcPct val="90000"/>
         </a:lnSpc>
         <a:spcBef>
-          <a:spcPts val="300"/>
+          <a:spcPts val="900"/>
         </a:spcBef>
         <a:buFont typeface="Arial" panose="020B0604020202020204" pitchFamily="34" charset="0"/>
         <a:buChar char="•"/>
-        <a:defRPr sz="1080" kern="1200">
+        <a:defRPr sz="3240" kern="1200">
           <a:solidFill>
             <a:schemeClr val="tx1"/>
           </a:solidFill>
@@ -2836,16 +3272,16 @@
           <a:cs typeface="+mn-cs"/>
         </a:defRPr>
       </a:lvl8pPr>
-      <a:lvl9pPr marL="2331720" indent="-137160" algn="l" defTabSz="548640" rtl="0" eaLnBrk="1" latinLnBrk="0" hangingPunct="1">
+      <a:lvl9pPr marL="6995160" indent="-411480" algn="l" defTabSz="1645920" rtl="0" eaLnBrk="1" latinLnBrk="0" hangingPunct="1">
         <a:lnSpc>
           <a:spcPct val="90000"/>
         </a:lnSpc>
         <a:spcBef>
-          <a:spcPts val="300"/>
+          <a:spcPts val="900"/>
         </a:spcBef>
         <a:buFont typeface="Arial" panose="020B0604020202020204" pitchFamily="34" charset="0"/>
         <a:buChar char="•"/>
-        <a:defRPr sz="1080" kern="1200">
+        <a:defRPr sz="3240" kern="1200">
           <a:solidFill>
             <a:schemeClr val="tx1"/>
           </a:solidFill>
@@ -2859,8 +3295,8 @@
       <a:defPPr>
         <a:defRPr lang="en-US"/>
       </a:defPPr>
-      <a:lvl1pPr marL="0" algn="l" defTabSz="548640" rtl="0" eaLnBrk="1" latinLnBrk="0" hangingPunct="1">
-        <a:defRPr sz="1080" kern="1200">
+      <a:lvl1pPr marL="0" algn="l" defTabSz="1645920" rtl="0" eaLnBrk="1" latinLnBrk="0" hangingPunct="1">
+        <a:defRPr sz="3240" kern="1200">
           <a:solidFill>
             <a:schemeClr val="tx1"/>
           </a:solidFill>
@@ -2869,8 +3305,8 @@
           <a:cs typeface="+mn-cs"/>
         </a:defRPr>
       </a:lvl1pPr>
-      <a:lvl2pPr marL="274320" algn="l" defTabSz="548640" rtl="0" eaLnBrk="1" latinLnBrk="0" hangingPunct="1">
-        <a:defRPr sz="1080" kern="1200">
+      <a:lvl2pPr marL="822960" algn="l" defTabSz="1645920" rtl="0" eaLnBrk="1" latinLnBrk="0" hangingPunct="1">
+        <a:defRPr sz="3240" kern="1200">
           <a:solidFill>
             <a:schemeClr val="tx1"/>
           </a:solidFill>
@@ -2879,8 +3315,8 @@
           <a:cs typeface="+mn-cs"/>
         </a:defRPr>
       </a:lvl2pPr>
-      <a:lvl3pPr marL="548640" algn="l" defTabSz="548640" rtl="0" eaLnBrk="1" latinLnBrk="0" hangingPunct="1">
-        <a:defRPr sz="1080" kern="1200">
+      <a:lvl3pPr marL="1645920" algn="l" defTabSz="1645920" rtl="0" eaLnBrk="1" latinLnBrk="0" hangingPunct="1">
+        <a:defRPr sz="3240" kern="1200">
           <a:solidFill>
             <a:schemeClr val="tx1"/>
           </a:solidFill>
@@ -2889,8 +3325,8 @@
           <a:cs typeface="+mn-cs"/>
         </a:defRPr>
       </a:lvl3pPr>
-      <a:lvl4pPr marL="822960" algn="l" defTabSz="548640" rtl="0" eaLnBrk="1" latinLnBrk="0" hangingPunct="1">
-        <a:defRPr sz="1080" kern="1200">
+      <a:lvl4pPr marL="2468880" algn="l" defTabSz="1645920" rtl="0" eaLnBrk="1" latinLnBrk="0" hangingPunct="1">
+        <a:defRPr sz="3240" kern="1200">
           <a:solidFill>
             <a:schemeClr val="tx1"/>
           </a:solidFill>
@@ -2899,8 +3335,8 @@
           <a:cs typeface="+mn-cs"/>
         </a:defRPr>
       </a:lvl4pPr>
-      <a:lvl5pPr marL="1097280" algn="l" defTabSz="548640" rtl="0" eaLnBrk="1" latinLnBrk="0" hangingPunct="1">
-        <a:defRPr sz="1080" kern="1200">
+      <a:lvl5pPr marL="3291840" algn="l" defTabSz="1645920" rtl="0" eaLnBrk="1" latinLnBrk="0" hangingPunct="1">
+        <a:defRPr sz="3240" kern="1200">
           <a:solidFill>
             <a:schemeClr val="tx1"/>
           </a:solidFill>
@@ -2909,8 +3345,8 @@
           <a:cs typeface="+mn-cs"/>
         </a:defRPr>
       </a:lvl5pPr>
-      <a:lvl6pPr marL="1371600" algn="l" defTabSz="548640" rtl="0" eaLnBrk="1" latinLnBrk="0" hangingPunct="1">
-        <a:defRPr sz="1080" kern="1200">
+      <a:lvl6pPr marL="4114800" algn="l" defTabSz="1645920" rtl="0" eaLnBrk="1" latinLnBrk="0" hangingPunct="1">
+        <a:defRPr sz="3240" kern="1200">
           <a:solidFill>
             <a:schemeClr val="tx1"/>
           </a:solidFill>
@@ -2919,8 +3355,8 @@
           <a:cs typeface="+mn-cs"/>
         </a:defRPr>
       </a:lvl6pPr>
-      <a:lvl7pPr marL="1645920" algn="l" defTabSz="548640" rtl="0" eaLnBrk="1" latinLnBrk="0" hangingPunct="1">
-        <a:defRPr sz="1080" kern="1200">
+      <a:lvl7pPr marL="4937760" algn="l" defTabSz="1645920" rtl="0" eaLnBrk="1" latinLnBrk="0" hangingPunct="1">
+        <a:defRPr sz="3240" kern="1200">
           <a:solidFill>
             <a:schemeClr val="tx1"/>
           </a:solidFill>
@@ -2929,8 +3365,8 @@
           <a:cs typeface="+mn-cs"/>
         </a:defRPr>
       </a:lvl7pPr>
-      <a:lvl8pPr marL="1920240" algn="l" defTabSz="548640" rtl="0" eaLnBrk="1" latinLnBrk="0" hangingPunct="1">
-        <a:defRPr sz="1080" kern="1200">
+      <a:lvl8pPr marL="5760720" algn="l" defTabSz="1645920" rtl="0" eaLnBrk="1" latinLnBrk="0" hangingPunct="1">
+        <a:defRPr sz="3240" kern="1200">
           <a:solidFill>
             <a:schemeClr val="tx1"/>
           </a:solidFill>
@@ -2939,8 +3375,8 @@
           <a:cs typeface="+mn-cs"/>
         </a:defRPr>
       </a:lvl8pPr>
-      <a:lvl9pPr marL="2194560" algn="l" defTabSz="548640" rtl="0" eaLnBrk="1" latinLnBrk="0" hangingPunct="1">
-        <a:defRPr sz="1080" kern="1200">
+      <a:lvl9pPr marL="6583680" algn="l" defTabSz="1645920" rtl="0" eaLnBrk="1" latinLnBrk="0" hangingPunct="1">
+        <a:defRPr sz="3240" kern="1200">
           <a:solidFill>
             <a:schemeClr val="tx1"/>
           </a:solidFill>
@@ -2986,14 +3422,14 @@
           <p:nvPr/>
         </p:nvPicPr>
         <p:blipFill>
-          <a:blip r:embed="rId2"/>
+          <a:blip r:embed="rId3"/>
           <a:stretch>
             <a:fillRect/>
           </a:stretch>
         </p:blipFill>
         <p:spPr>
           <a:xfrm>
-            <a:off x="0" y="3657600"/>
+            <a:off x="0" y="4112567"/>
             <a:ext cx="5486400" cy="3657600"/>
           </a:xfrm>
           <a:prstGeom prst="rect">
@@ -3016,14 +3452,14 @@
           <p:nvPr/>
         </p:nvPicPr>
         <p:blipFill>
-          <a:blip r:embed="rId3"/>
+          <a:blip r:embed="rId4"/>
           <a:stretch>
             <a:fillRect/>
           </a:stretch>
         </p:blipFill>
         <p:spPr>
           <a:xfrm>
-            <a:off x="0" y="0"/>
+            <a:off x="0" y="457200"/>
             <a:ext cx="5486400" cy="3657600"/>
           </a:xfrm>
           <a:prstGeom prst="rect">
@@ -3046,14 +3482,14 @@
           <p:nvPr/>
         </p:nvPicPr>
         <p:blipFill>
-          <a:blip r:embed="rId4"/>
+          <a:blip r:embed="rId5"/>
           <a:stretch>
             <a:fillRect/>
           </a:stretch>
         </p:blipFill>
         <p:spPr>
           <a:xfrm>
-            <a:off x="0" y="14630400"/>
+            <a:off x="0" y="15085494"/>
             <a:ext cx="5486400" cy="3657600"/>
           </a:xfrm>
           <a:prstGeom prst="rect">
@@ -3077,7 +3513,7 @@
         </p:nvCxnSpPr>
         <p:spPr>
           <a:xfrm>
-            <a:off x="2245116" y="3836504"/>
+            <a:off x="2245116" y="4293704"/>
             <a:ext cx="0" cy="2812774"/>
           </a:xfrm>
           <a:prstGeom prst="line">
@@ -3118,7 +3554,7 @@
         </p:nvCxnSpPr>
         <p:spPr>
           <a:xfrm>
-            <a:off x="3817827" y="3836504"/>
+            <a:off x="3817827" y="4293704"/>
             <a:ext cx="0" cy="2812774"/>
           </a:xfrm>
           <a:prstGeom prst="line">
@@ -3160,14 +3596,14 @@
           <p:nvPr/>
         </p:nvPicPr>
         <p:blipFill>
-          <a:blip r:embed="rId5"/>
+          <a:blip r:embed="rId6"/>
           <a:stretch>
             <a:fillRect/>
           </a:stretch>
         </p:blipFill>
         <p:spPr>
           <a:xfrm>
-            <a:off x="0" y="7315200"/>
+            <a:off x="0" y="7767935"/>
             <a:ext cx="5486400" cy="3657600"/>
           </a:xfrm>
           <a:prstGeom prst="rect">
@@ -3190,14 +3626,14 @@
           <p:nvPr/>
         </p:nvPicPr>
         <p:blipFill>
-          <a:blip r:embed="rId6"/>
+          <a:blip r:embed="rId7"/>
           <a:stretch>
             <a:fillRect/>
           </a:stretch>
         </p:blipFill>
         <p:spPr>
           <a:xfrm>
-            <a:off x="0" y="10972800"/>
+            <a:off x="0" y="11421070"/>
             <a:ext cx="5486400" cy="3657600"/>
           </a:xfrm>
           <a:prstGeom prst="rect">
@@ -3205,6 +3641,790 @@
           </a:prstGeom>
         </p:spPr>
       </p:pic>
+      <p:sp>
+        <p:nvSpPr>
+          <p:cNvPr id="2" name="TextBox 1">
+            <a:extLst>
+              <a:ext uri="{FF2B5EF4-FFF2-40B4-BE49-F238E27FC236}">
+                <a16:creationId xmlns:a16="http://schemas.microsoft.com/office/drawing/2014/main" id="{FC35CBCD-8478-40C2-4A68-5407EC0FBBB4}"/>
+              </a:ext>
+            </a:extLst>
+          </p:cNvPr>
+          <p:cNvSpPr txBox="1"/>
+          <p:nvPr/>
+        </p:nvSpPr>
+        <p:spPr>
+          <a:xfrm>
+            <a:off x="0" y="8929"/>
+            <a:ext cx="5486400" cy="461665"/>
+          </a:xfrm>
+          <a:prstGeom prst="rect">
+            <a:avLst/>
+          </a:prstGeom>
+          <a:noFill/>
+        </p:spPr>
+        <p:txBody>
+          <a:bodyPr wrap="square" rtlCol="0">
+            <a:spAutoFit/>
+          </a:bodyPr>
+          <a:lstStyle/>
+          <a:p>
+            <a:pPr algn="ctr"/>
+            <a:r>
+              <a:rPr lang="en-US" sz="2400" b="1" dirty="0"/>
+              <a:t>Exploratory</a:t>
+            </a:r>
+          </a:p>
+        </p:txBody>
+      </p:sp>
+      <p:pic>
+        <p:nvPicPr>
+          <p:cNvPr id="6" name="Picture 5">
+            <a:extLst>
+              <a:ext uri="{FF2B5EF4-FFF2-40B4-BE49-F238E27FC236}">
+                <a16:creationId xmlns:a16="http://schemas.microsoft.com/office/drawing/2014/main" id="{DE03B903-E145-8603-D821-1D832216774F}"/>
+              </a:ext>
+            </a:extLst>
+          </p:cNvPr>
+          <p:cNvPicPr>
+            <a:picLocks noChangeAspect="1"/>
+          </p:cNvPicPr>
+          <p:nvPr/>
+        </p:nvPicPr>
+        <p:blipFill>
+          <a:blip r:embed="rId8"/>
+          <a:stretch>
+            <a:fillRect/>
+          </a:stretch>
+        </p:blipFill>
+        <p:spPr>
+          <a:xfrm>
+            <a:off x="5486400" y="457200"/>
+            <a:ext cx="5486400" cy="3657600"/>
+          </a:xfrm>
+          <a:prstGeom prst="rect">
+            <a:avLst/>
+          </a:prstGeom>
+        </p:spPr>
+      </p:pic>
+      <p:pic>
+        <p:nvPicPr>
+          <p:cNvPr id="9" name="Picture 8">
+            <a:extLst>
+              <a:ext uri="{FF2B5EF4-FFF2-40B4-BE49-F238E27FC236}">
+                <a16:creationId xmlns:a16="http://schemas.microsoft.com/office/drawing/2014/main" id="{C732EE9E-52D2-84E8-1380-5D15213D9199}"/>
+              </a:ext>
+            </a:extLst>
+          </p:cNvPr>
+          <p:cNvPicPr>
+            <a:picLocks noChangeAspect="1"/>
+          </p:cNvPicPr>
+          <p:nvPr/>
+        </p:nvPicPr>
+        <p:blipFill>
+          <a:blip r:embed="rId9"/>
+          <a:stretch>
+            <a:fillRect/>
+          </a:stretch>
+        </p:blipFill>
+        <p:spPr>
+          <a:xfrm>
+            <a:off x="10972800" y="457200"/>
+            <a:ext cx="5486400" cy="3657600"/>
+          </a:xfrm>
+          <a:prstGeom prst="rect">
+            <a:avLst/>
+          </a:prstGeom>
+        </p:spPr>
+      </p:pic>
+      <p:pic>
+        <p:nvPicPr>
+          <p:cNvPr id="12" name="Picture 11">
+            <a:extLst>
+              <a:ext uri="{FF2B5EF4-FFF2-40B4-BE49-F238E27FC236}">
+                <a16:creationId xmlns:a16="http://schemas.microsoft.com/office/drawing/2014/main" id="{7E9FE4AE-800E-547A-D156-631F4E85127F}"/>
+              </a:ext>
+            </a:extLst>
+          </p:cNvPr>
+          <p:cNvPicPr>
+            <a:picLocks noChangeAspect="1"/>
+          </p:cNvPicPr>
+          <p:nvPr/>
+        </p:nvPicPr>
+        <p:blipFill>
+          <a:blip r:embed="rId10"/>
+          <a:stretch>
+            <a:fillRect/>
+          </a:stretch>
+        </p:blipFill>
+        <p:spPr>
+          <a:xfrm>
+            <a:off x="5486400" y="4112567"/>
+            <a:ext cx="5486400" cy="3657600"/>
+          </a:xfrm>
+          <a:prstGeom prst="rect">
+            <a:avLst/>
+          </a:prstGeom>
+        </p:spPr>
+      </p:pic>
+      <p:pic>
+        <p:nvPicPr>
+          <p:cNvPr id="15" name="Picture 14">
+            <a:extLst>
+              <a:ext uri="{FF2B5EF4-FFF2-40B4-BE49-F238E27FC236}">
+                <a16:creationId xmlns:a16="http://schemas.microsoft.com/office/drawing/2014/main" id="{7E457444-240D-F907-DB83-17418F5DDFB4}"/>
+              </a:ext>
+            </a:extLst>
+          </p:cNvPr>
+          <p:cNvPicPr>
+            <a:picLocks noChangeAspect="1"/>
+          </p:cNvPicPr>
+          <p:nvPr/>
+        </p:nvPicPr>
+        <p:blipFill>
+          <a:blip r:embed="rId11"/>
+          <a:stretch>
+            <a:fillRect/>
+          </a:stretch>
+        </p:blipFill>
+        <p:spPr>
+          <a:xfrm>
+            <a:off x="10972800" y="4112567"/>
+            <a:ext cx="5486400" cy="3657600"/>
+          </a:xfrm>
+          <a:prstGeom prst="rect">
+            <a:avLst/>
+          </a:prstGeom>
+        </p:spPr>
+      </p:pic>
+      <p:cxnSp>
+        <p:nvCxnSpPr>
+          <p:cNvPr id="18" name="Straight Connector 17">
+            <a:extLst>
+              <a:ext uri="{FF2B5EF4-FFF2-40B4-BE49-F238E27FC236}">
+                <a16:creationId xmlns:a16="http://schemas.microsoft.com/office/drawing/2014/main" id="{C6610BAA-4D75-DE5A-61F5-C8EBB0331D3A}"/>
+              </a:ext>
+            </a:extLst>
+          </p:cNvPr>
+          <p:cNvCxnSpPr>
+            <a:cxnSpLocks/>
+          </p:cNvCxnSpPr>
+          <p:nvPr/>
+        </p:nvCxnSpPr>
+        <p:spPr>
+          <a:xfrm>
+            <a:off x="7715474" y="4293704"/>
+            <a:ext cx="0" cy="2812774"/>
+          </a:xfrm>
+          <a:prstGeom prst="line">
+            <a:avLst/>
+          </a:prstGeom>
+          <a:ln w="12700">
+            <a:solidFill>
+              <a:srgbClr val="CECECE"/>
+            </a:solidFill>
+          </a:ln>
+        </p:spPr>
+        <p:style>
+          <a:lnRef idx="1">
+            <a:schemeClr val="accent1"/>
+          </a:lnRef>
+          <a:fillRef idx="0">
+            <a:schemeClr val="accent1"/>
+          </a:fillRef>
+          <a:effectRef idx="0">
+            <a:schemeClr val="accent1"/>
+          </a:effectRef>
+          <a:fontRef idx="minor">
+            <a:schemeClr val="tx1"/>
+          </a:fontRef>
+        </p:style>
+      </p:cxnSp>
+      <p:cxnSp>
+        <p:nvCxnSpPr>
+          <p:cNvPr id="19" name="Straight Connector 18">
+            <a:extLst>
+              <a:ext uri="{FF2B5EF4-FFF2-40B4-BE49-F238E27FC236}">
+                <a16:creationId xmlns:a16="http://schemas.microsoft.com/office/drawing/2014/main" id="{8EB14820-8FA2-7569-818F-E096111D959F}"/>
+              </a:ext>
+            </a:extLst>
+          </p:cNvPr>
+          <p:cNvCxnSpPr/>
+          <p:nvPr/>
+        </p:nvCxnSpPr>
+        <p:spPr>
+          <a:xfrm>
+            <a:off x="9288185" y="4293704"/>
+            <a:ext cx="0" cy="2812774"/>
+          </a:xfrm>
+          <a:prstGeom prst="line">
+            <a:avLst/>
+          </a:prstGeom>
+          <a:ln w="12700">
+            <a:solidFill>
+              <a:srgbClr val="CECECE"/>
+            </a:solidFill>
+          </a:ln>
+        </p:spPr>
+        <p:style>
+          <a:lnRef idx="1">
+            <a:schemeClr val="accent1"/>
+          </a:lnRef>
+          <a:fillRef idx="0">
+            <a:schemeClr val="accent1"/>
+          </a:fillRef>
+          <a:effectRef idx="0">
+            <a:schemeClr val="accent1"/>
+          </a:effectRef>
+          <a:fontRef idx="minor">
+            <a:schemeClr val="tx1"/>
+          </a:fontRef>
+        </p:style>
+      </p:cxnSp>
+      <p:cxnSp>
+        <p:nvCxnSpPr>
+          <p:cNvPr id="20" name="Straight Connector 19">
+            <a:extLst>
+              <a:ext uri="{FF2B5EF4-FFF2-40B4-BE49-F238E27FC236}">
+                <a16:creationId xmlns:a16="http://schemas.microsoft.com/office/drawing/2014/main" id="{0EE99381-FB1E-EFBD-D276-AD1E9418026F}"/>
+              </a:ext>
+            </a:extLst>
+          </p:cNvPr>
+          <p:cNvCxnSpPr>
+            <a:cxnSpLocks/>
+          </p:cNvCxnSpPr>
+          <p:nvPr/>
+        </p:nvCxnSpPr>
+        <p:spPr>
+          <a:xfrm>
+            <a:off x="13201874" y="4293704"/>
+            <a:ext cx="0" cy="2812774"/>
+          </a:xfrm>
+          <a:prstGeom prst="line">
+            <a:avLst/>
+          </a:prstGeom>
+          <a:ln w="12700">
+            <a:solidFill>
+              <a:srgbClr val="CECECE"/>
+            </a:solidFill>
+          </a:ln>
+        </p:spPr>
+        <p:style>
+          <a:lnRef idx="1">
+            <a:schemeClr val="accent1"/>
+          </a:lnRef>
+          <a:fillRef idx="0">
+            <a:schemeClr val="accent1"/>
+          </a:fillRef>
+          <a:effectRef idx="0">
+            <a:schemeClr val="accent1"/>
+          </a:effectRef>
+          <a:fontRef idx="minor">
+            <a:schemeClr val="tx1"/>
+          </a:fontRef>
+        </p:style>
+      </p:cxnSp>
+      <p:cxnSp>
+        <p:nvCxnSpPr>
+          <p:cNvPr id="21" name="Straight Connector 20">
+            <a:extLst>
+              <a:ext uri="{FF2B5EF4-FFF2-40B4-BE49-F238E27FC236}">
+                <a16:creationId xmlns:a16="http://schemas.microsoft.com/office/drawing/2014/main" id="{F44F03B9-AC17-ED1F-EA3F-9874FBBE84E1}"/>
+              </a:ext>
+            </a:extLst>
+          </p:cNvPr>
+          <p:cNvCxnSpPr/>
+          <p:nvPr/>
+        </p:nvCxnSpPr>
+        <p:spPr>
+          <a:xfrm>
+            <a:off x="14774585" y="4293704"/>
+            <a:ext cx="0" cy="2812774"/>
+          </a:xfrm>
+          <a:prstGeom prst="line">
+            <a:avLst/>
+          </a:prstGeom>
+          <a:ln w="12700">
+            <a:solidFill>
+              <a:srgbClr val="CECECE"/>
+            </a:solidFill>
+          </a:ln>
+        </p:spPr>
+        <p:style>
+          <a:lnRef idx="1">
+            <a:schemeClr val="accent1"/>
+          </a:lnRef>
+          <a:fillRef idx="0">
+            <a:schemeClr val="accent1"/>
+          </a:fillRef>
+          <a:effectRef idx="0">
+            <a:schemeClr val="accent1"/>
+          </a:effectRef>
+          <a:fontRef idx="minor">
+            <a:schemeClr val="tx1"/>
+          </a:fontRef>
+        </p:style>
+      </p:cxnSp>
+      <p:pic>
+        <p:nvPicPr>
+          <p:cNvPr id="23" name="Picture 22">
+            <a:extLst>
+              <a:ext uri="{FF2B5EF4-FFF2-40B4-BE49-F238E27FC236}">
+                <a16:creationId xmlns:a16="http://schemas.microsoft.com/office/drawing/2014/main" id="{19849A97-31E9-4587-49A2-FF8D537B532C}"/>
+              </a:ext>
+            </a:extLst>
+          </p:cNvPr>
+          <p:cNvPicPr>
+            <a:picLocks noChangeAspect="1"/>
+          </p:cNvPicPr>
+          <p:nvPr/>
+        </p:nvPicPr>
+        <p:blipFill>
+          <a:blip r:embed="rId12"/>
+          <a:stretch>
+            <a:fillRect/>
+          </a:stretch>
+        </p:blipFill>
+        <p:spPr>
+          <a:xfrm>
+            <a:off x="5486400" y="7767935"/>
+            <a:ext cx="5486400" cy="3657600"/>
+          </a:xfrm>
+          <a:prstGeom prst="rect">
+            <a:avLst/>
+          </a:prstGeom>
+        </p:spPr>
+      </p:pic>
+      <p:pic>
+        <p:nvPicPr>
+          <p:cNvPr id="25" name="Picture 24">
+            <a:extLst>
+              <a:ext uri="{FF2B5EF4-FFF2-40B4-BE49-F238E27FC236}">
+                <a16:creationId xmlns:a16="http://schemas.microsoft.com/office/drawing/2014/main" id="{AA660D9C-9E5D-BB32-4E7F-CAF53EB5FC0B}"/>
+              </a:ext>
+            </a:extLst>
+          </p:cNvPr>
+          <p:cNvPicPr>
+            <a:picLocks noChangeAspect="1"/>
+          </p:cNvPicPr>
+          <p:nvPr/>
+        </p:nvPicPr>
+        <p:blipFill>
+          <a:blip r:embed="rId13"/>
+          <a:stretch>
+            <a:fillRect/>
+          </a:stretch>
+        </p:blipFill>
+        <p:spPr>
+          <a:xfrm>
+            <a:off x="10972800" y="7767935"/>
+            <a:ext cx="5486400" cy="3657600"/>
+          </a:xfrm>
+          <a:prstGeom prst="rect">
+            <a:avLst/>
+          </a:prstGeom>
+        </p:spPr>
+      </p:pic>
+      <p:pic>
+        <p:nvPicPr>
+          <p:cNvPr id="27" name="Picture 26">
+            <a:extLst>
+              <a:ext uri="{FF2B5EF4-FFF2-40B4-BE49-F238E27FC236}">
+                <a16:creationId xmlns:a16="http://schemas.microsoft.com/office/drawing/2014/main" id="{50BD63A2-5D5A-4F2F-BB1D-8A3A9AB8BA78}"/>
+              </a:ext>
+            </a:extLst>
+          </p:cNvPr>
+          <p:cNvPicPr>
+            <a:picLocks noChangeAspect="1"/>
+          </p:cNvPicPr>
+          <p:nvPr/>
+        </p:nvPicPr>
+        <p:blipFill>
+          <a:blip r:embed="rId14"/>
+          <a:stretch>
+            <a:fillRect/>
+          </a:stretch>
+        </p:blipFill>
+        <p:spPr>
+          <a:xfrm>
+            <a:off x="5486400" y="11421070"/>
+            <a:ext cx="5486400" cy="3657600"/>
+          </a:xfrm>
+          <a:prstGeom prst="rect">
+            <a:avLst/>
+          </a:prstGeom>
+        </p:spPr>
+      </p:pic>
+      <p:pic>
+        <p:nvPicPr>
+          <p:cNvPr id="29" name="Picture 28">
+            <a:extLst>
+              <a:ext uri="{FF2B5EF4-FFF2-40B4-BE49-F238E27FC236}">
+                <a16:creationId xmlns:a16="http://schemas.microsoft.com/office/drawing/2014/main" id="{3BD1A4B7-EE1A-F7AD-DC34-D92F5FE1BD0F}"/>
+              </a:ext>
+            </a:extLst>
+          </p:cNvPr>
+          <p:cNvPicPr>
+            <a:picLocks noChangeAspect="1"/>
+          </p:cNvPicPr>
+          <p:nvPr/>
+        </p:nvPicPr>
+        <p:blipFill>
+          <a:blip r:embed="rId15"/>
+          <a:stretch>
+            <a:fillRect/>
+          </a:stretch>
+        </p:blipFill>
+        <p:spPr>
+          <a:xfrm>
+            <a:off x="10972800" y="11421070"/>
+            <a:ext cx="5486400" cy="3657600"/>
+          </a:xfrm>
+          <a:prstGeom prst="rect">
+            <a:avLst/>
+          </a:prstGeom>
+        </p:spPr>
+      </p:pic>
+      <p:pic>
+        <p:nvPicPr>
+          <p:cNvPr id="31" name="Picture 30">
+            <a:extLst>
+              <a:ext uri="{FF2B5EF4-FFF2-40B4-BE49-F238E27FC236}">
+                <a16:creationId xmlns:a16="http://schemas.microsoft.com/office/drawing/2014/main" id="{E44E5280-6AAC-A5B3-6FDC-54D4C2F0D374}"/>
+              </a:ext>
+            </a:extLst>
+          </p:cNvPr>
+          <p:cNvPicPr>
+            <a:picLocks noChangeAspect="1"/>
+          </p:cNvPicPr>
+          <p:nvPr/>
+        </p:nvPicPr>
+        <p:blipFill>
+          <a:blip r:embed="rId16"/>
+          <a:stretch>
+            <a:fillRect/>
+          </a:stretch>
+        </p:blipFill>
+        <p:spPr>
+          <a:xfrm>
+            <a:off x="5486400" y="15085494"/>
+            <a:ext cx="5486400" cy="3657600"/>
+          </a:xfrm>
+          <a:prstGeom prst="rect">
+            <a:avLst/>
+          </a:prstGeom>
+        </p:spPr>
+      </p:pic>
+      <p:pic>
+        <p:nvPicPr>
+          <p:cNvPr id="33" name="Picture 32">
+            <a:extLst>
+              <a:ext uri="{FF2B5EF4-FFF2-40B4-BE49-F238E27FC236}">
+                <a16:creationId xmlns:a16="http://schemas.microsoft.com/office/drawing/2014/main" id="{D0467620-5DE8-25F6-4C42-1EB69A0E5E9E}"/>
+              </a:ext>
+            </a:extLst>
+          </p:cNvPr>
+          <p:cNvPicPr>
+            <a:picLocks noChangeAspect="1"/>
+          </p:cNvPicPr>
+          <p:nvPr/>
+        </p:nvPicPr>
+        <p:blipFill>
+          <a:blip r:embed="rId17"/>
+          <a:stretch>
+            <a:fillRect/>
+          </a:stretch>
+        </p:blipFill>
+        <p:spPr>
+          <a:xfrm>
+            <a:off x="10972800" y="15085494"/>
+            <a:ext cx="5486400" cy="3657600"/>
+          </a:xfrm>
+          <a:prstGeom prst="rect">
+            <a:avLst/>
+          </a:prstGeom>
+        </p:spPr>
+      </p:pic>
+      <p:sp>
+        <p:nvSpPr>
+          <p:cNvPr id="34" name="TextBox 33">
+            <a:extLst>
+              <a:ext uri="{FF2B5EF4-FFF2-40B4-BE49-F238E27FC236}">
+                <a16:creationId xmlns:a16="http://schemas.microsoft.com/office/drawing/2014/main" id="{4F99A476-EBC6-F76C-78E1-B5C7BECDCA06}"/>
+              </a:ext>
+            </a:extLst>
+          </p:cNvPr>
+          <p:cNvSpPr txBox="1"/>
+          <p:nvPr/>
+        </p:nvSpPr>
+        <p:spPr>
+          <a:xfrm>
+            <a:off x="5486400" y="8929"/>
+            <a:ext cx="5486400" cy="461665"/>
+          </a:xfrm>
+          <a:prstGeom prst="rect">
+            <a:avLst/>
+          </a:prstGeom>
+          <a:noFill/>
+        </p:spPr>
+        <p:txBody>
+          <a:bodyPr wrap="square" rtlCol="0">
+            <a:spAutoFit/>
+          </a:bodyPr>
+          <a:lstStyle/>
+          <a:p>
+            <a:pPr algn="ctr"/>
+            <a:r>
+              <a:rPr lang="en-US" sz="2400" b="1" dirty="0"/>
+              <a:t>Confirmatory</a:t>
+            </a:r>
+          </a:p>
+        </p:txBody>
+      </p:sp>
+      <p:sp>
+        <p:nvSpPr>
+          <p:cNvPr id="35" name="TextBox 34">
+            <a:extLst>
+              <a:ext uri="{FF2B5EF4-FFF2-40B4-BE49-F238E27FC236}">
+                <a16:creationId xmlns:a16="http://schemas.microsoft.com/office/drawing/2014/main" id="{A7066A8E-C14C-63E0-0918-A040D867C1AD}"/>
+              </a:ext>
+            </a:extLst>
+          </p:cNvPr>
+          <p:cNvSpPr txBox="1"/>
+          <p:nvPr/>
+        </p:nvSpPr>
+        <p:spPr>
+          <a:xfrm>
+            <a:off x="10972800" y="8929"/>
+            <a:ext cx="5486400" cy="461665"/>
+          </a:xfrm>
+          <a:prstGeom prst="rect">
+            <a:avLst/>
+          </a:prstGeom>
+          <a:noFill/>
+        </p:spPr>
+        <p:txBody>
+          <a:bodyPr wrap="square" rtlCol="0">
+            <a:spAutoFit/>
+          </a:bodyPr>
+          <a:lstStyle/>
+          <a:p>
+            <a:pPr algn="ctr"/>
+            <a:r>
+              <a:rPr lang="en-US" sz="2400" b="1" dirty="0"/>
+              <a:t>Joint</a:t>
+            </a:r>
+          </a:p>
+        </p:txBody>
+      </p:sp>
+      <p:sp>
+        <p:nvSpPr>
+          <p:cNvPr id="36" name="Rectangle 35">
+            <a:extLst>
+              <a:ext uri="{FF2B5EF4-FFF2-40B4-BE49-F238E27FC236}">
+                <a16:creationId xmlns:a16="http://schemas.microsoft.com/office/drawing/2014/main" id="{C27CCB5D-0497-79D6-6C16-81EBCBA0E71F}"/>
+              </a:ext>
+            </a:extLst>
+          </p:cNvPr>
+          <p:cNvSpPr/>
+          <p:nvPr/>
+        </p:nvSpPr>
+        <p:spPr>
+          <a:xfrm>
+            <a:off x="869244" y="677333"/>
+            <a:ext cx="733778" cy="1354667"/>
+          </a:xfrm>
+          <a:prstGeom prst="rect">
+            <a:avLst/>
+          </a:prstGeom>
+          <a:solidFill>
+            <a:schemeClr val="bg1"/>
+          </a:solidFill>
+          <a:ln>
+            <a:noFill/>
+          </a:ln>
+        </p:spPr>
+        <p:style>
+          <a:lnRef idx="2">
+            <a:schemeClr val="accent1">
+              <a:shade val="15000"/>
+            </a:schemeClr>
+          </a:lnRef>
+          <a:fillRef idx="1">
+            <a:schemeClr val="accent1"/>
+          </a:fillRef>
+          <a:effectRef idx="0">
+            <a:schemeClr val="accent1"/>
+          </a:effectRef>
+          <a:fontRef idx="minor">
+            <a:schemeClr val="lt1"/>
+          </a:fontRef>
+        </p:style>
+        <p:txBody>
+          <a:bodyPr rtlCol="0" anchor="ctr"/>
+          <a:lstStyle/>
+          <a:p>
+            <a:pPr algn="ctr"/>
+            <a:endParaRPr lang="en-US"/>
+          </a:p>
+        </p:txBody>
+      </p:sp>
+      <p:sp>
+        <p:nvSpPr>
+          <p:cNvPr id="37" name="Rectangle 36">
+            <a:extLst>
+              <a:ext uri="{FF2B5EF4-FFF2-40B4-BE49-F238E27FC236}">
+                <a16:creationId xmlns:a16="http://schemas.microsoft.com/office/drawing/2014/main" id="{637D961B-0759-3B7F-1C3E-F962B7628C75}"/>
+              </a:ext>
+            </a:extLst>
+          </p:cNvPr>
+          <p:cNvSpPr/>
+          <p:nvPr/>
+        </p:nvSpPr>
+        <p:spPr>
+          <a:xfrm>
+            <a:off x="6361288" y="676474"/>
+            <a:ext cx="733778" cy="1354667"/>
+          </a:xfrm>
+          <a:prstGeom prst="rect">
+            <a:avLst/>
+          </a:prstGeom>
+          <a:solidFill>
+            <a:schemeClr val="bg1"/>
+          </a:solidFill>
+          <a:ln>
+            <a:noFill/>
+          </a:ln>
+        </p:spPr>
+        <p:style>
+          <a:lnRef idx="2">
+            <a:schemeClr val="accent1">
+              <a:shade val="15000"/>
+            </a:schemeClr>
+          </a:lnRef>
+          <a:fillRef idx="1">
+            <a:schemeClr val="accent1"/>
+          </a:fillRef>
+          <a:effectRef idx="0">
+            <a:schemeClr val="accent1"/>
+          </a:effectRef>
+          <a:fontRef idx="minor">
+            <a:schemeClr val="lt1"/>
+          </a:fontRef>
+        </p:style>
+        <p:txBody>
+          <a:bodyPr rtlCol="0" anchor="ctr"/>
+          <a:lstStyle/>
+          <a:p>
+            <a:pPr algn="ctr"/>
+            <a:endParaRPr lang="en-US"/>
+          </a:p>
+        </p:txBody>
+      </p:sp>
+      <p:sp>
+        <p:nvSpPr>
+          <p:cNvPr id="38" name="Rectangle 37">
+            <a:extLst>
+              <a:ext uri="{FF2B5EF4-FFF2-40B4-BE49-F238E27FC236}">
+                <a16:creationId xmlns:a16="http://schemas.microsoft.com/office/drawing/2014/main" id="{540920F9-06C4-83BF-4D03-FC698084C5E2}"/>
+              </a:ext>
+            </a:extLst>
+          </p:cNvPr>
+          <p:cNvSpPr/>
+          <p:nvPr/>
+        </p:nvSpPr>
+        <p:spPr>
+          <a:xfrm>
+            <a:off x="763690" y="4330469"/>
+            <a:ext cx="726402" cy="828554"/>
+          </a:xfrm>
+          <a:prstGeom prst="rect">
+            <a:avLst/>
+          </a:prstGeom>
+          <a:solidFill>
+            <a:schemeClr val="bg1"/>
+          </a:solidFill>
+          <a:ln>
+            <a:noFill/>
+          </a:ln>
+        </p:spPr>
+        <p:style>
+          <a:lnRef idx="2">
+            <a:schemeClr val="accent1">
+              <a:shade val="15000"/>
+            </a:schemeClr>
+          </a:lnRef>
+          <a:fillRef idx="1">
+            <a:schemeClr val="accent1"/>
+          </a:fillRef>
+          <a:effectRef idx="0">
+            <a:schemeClr val="accent1"/>
+          </a:effectRef>
+          <a:fontRef idx="minor">
+            <a:schemeClr val="lt1"/>
+          </a:fontRef>
+        </p:style>
+        <p:txBody>
+          <a:bodyPr rtlCol="0" anchor="ctr"/>
+          <a:lstStyle/>
+          <a:p>
+            <a:pPr algn="ctr"/>
+            <a:endParaRPr lang="en-US"/>
+          </a:p>
+        </p:txBody>
+      </p:sp>
+      <p:sp>
+        <p:nvSpPr>
+          <p:cNvPr id="39" name="Rectangle 38">
+            <a:extLst>
+              <a:ext uri="{FF2B5EF4-FFF2-40B4-BE49-F238E27FC236}">
+                <a16:creationId xmlns:a16="http://schemas.microsoft.com/office/drawing/2014/main" id="{F7D519FA-516F-3196-6A6C-3A42B52474AF}"/>
+              </a:ext>
+            </a:extLst>
+          </p:cNvPr>
+          <p:cNvSpPr/>
+          <p:nvPr/>
+        </p:nvSpPr>
+        <p:spPr>
+          <a:xfrm>
+            <a:off x="6250090" y="4328075"/>
+            <a:ext cx="726402" cy="828554"/>
+          </a:xfrm>
+          <a:prstGeom prst="rect">
+            <a:avLst/>
+          </a:prstGeom>
+          <a:solidFill>
+            <a:schemeClr val="bg1"/>
+          </a:solidFill>
+          <a:ln>
+            <a:noFill/>
+          </a:ln>
+        </p:spPr>
+        <p:style>
+          <a:lnRef idx="2">
+            <a:schemeClr val="accent1">
+              <a:shade val="15000"/>
+            </a:schemeClr>
+          </a:lnRef>
+          <a:fillRef idx="1">
+            <a:schemeClr val="accent1"/>
+          </a:fillRef>
+          <a:effectRef idx="0">
+            <a:schemeClr val="accent1"/>
+          </a:effectRef>
+          <a:fontRef idx="minor">
+            <a:schemeClr val="lt1"/>
+          </a:fontRef>
+        </p:style>
+        <p:txBody>
+          <a:bodyPr rtlCol="0" anchor="ctr"/>
+          <a:lstStyle/>
+          <a:p>
+            <a:pPr algn="ctr"/>
+            <a:endParaRPr lang="en-US"/>
+          </a:p>
+        </p:txBody>
+      </p:sp>
     </p:spTree>
     <p:extLst>
       <p:ext uri="{BB962C8B-B14F-4D97-AF65-F5344CB8AC3E}">
@@ -3477,4 +4697,299 @@
     </a:ext>
   </a:extLst>
 </a:theme>
+</file>
+
+<file path=ppt/theme/theme2.xml><?xml version="1.0" encoding="utf-8"?>
+<a:theme xmlns:a="http://schemas.openxmlformats.org/drawingml/2006/main" name="Office Theme">
+  <a:themeElements>
+    <a:clrScheme name="Office">
+      <a:dk1>
+        <a:sysClr val="windowText" lastClr="000000"/>
+      </a:dk1>
+      <a:lt1>
+        <a:sysClr val="window" lastClr="FFFFFF"/>
+      </a:lt1>
+      <a:dk2>
+        <a:srgbClr val="44546A"/>
+      </a:dk2>
+      <a:lt2>
+        <a:srgbClr val="E7E6E6"/>
+      </a:lt2>
+      <a:accent1>
+        <a:srgbClr val="4472C4"/>
+      </a:accent1>
+      <a:accent2>
+        <a:srgbClr val="ED7D31"/>
+      </a:accent2>
+      <a:accent3>
+        <a:srgbClr val="A5A5A5"/>
+      </a:accent3>
+      <a:accent4>
+        <a:srgbClr val="FFC000"/>
+      </a:accent4>
+      <a:accent5>
+        <a:srgbClr val="5B9BD5"/>
+      </a:accent5>
+      <a:accent6>
+        <a:srgbClr val="70AD47"/>
+      </a:accent6>
+      <a:hlink>
+        <a:srgbClr val="0563C1"/>
+      </a:hlink>
+      <a:folHlink>
+        <a:srgbClr val="954F72"/>
+      </a:folHlink>
+    </a:clrScheme>
+    <a:fontScheme name="Office">
+      <a:majorFont>
+        <a:latin typeface="Calibri Light" panose="020F0302020204030204"/>
+        <a:ea typeface=""/>
+        <a:cs typeface=""/>
+        <a:font script="Jpan" typeface="游ゴシック Light"/>
+        <a:font script="Hang" typeface="맑은 고딕"/>
+        <a:font script="Hans" typeface="等线 Light"/>
+        <a:font script="Hant" typeface="新細明體"/>
+        <a:font script="Arab" typeface="Times New Roman"/>
+        <a:font script="Hebr" typeface="Times New Roman"/>
+        <a:font script="Thai" typeface="Angsana New"/>
+        <a:font script="Ethi" typeface="Nyala"/>
+        <a:font script="Beng" typeface="Vrinda"/>
+        <a:font script="Gujr" typeface="Shruti"/>
+        <a:font script="Khmr" typeface="MoolBoran"/>
+        <a:font script="Knda" typeface="Tunga"/>
+        <a:font script="Guru" typeface="Raavi"/>
+        <a:font script="Cans" typeface="Euphemia"/>
+        <a:font script="Cher" typeface="Plantagenet Cherokee"/>
+        <a:font script="Yiii" typeface="Microsoft Yi Baiti"/>
+        <a:font script="Tibt" typeface="Microsoft Himalaya"/>
+        <a:font script="Thaa" typeface="MV Boli"/>
+        <a:font script="Deva" typeface="Mangal"/>
+        <a:font script="Telu" typeface="Gautami"/>
+        <a:font script="Taml" typeface="Latha"/>
+        <a:font script="Syrc" typeface="Estrangelo Edessa"/>
+        <a:font script="Orya" typeface="Kalinga"/>
+        <a:font script="Mlym" typeface="Kartika"/>
+        <a:font script="Laoo" typeface="DokChampa"/>
+        <a:font script="Sinh" typeface="Iskoola Pota"/>
+        <a:font script="Mong" typeface="Mongolian Baiti"/>
+        <a:font script="Viet" typeface="Times New Roman"/>
+        <a:font script="Uigh" typeface="Microsoft Uighur"/>
+        <a:font script="Geor" typeface="Sylfaen"/>
+        <a:font script="Armn" typeface="Arial"/>
+        <a:font script="Bugi" typeface="Leelawadee UI"/>
+        <a:font script="Bopo" typeface="Microsoft JhengHei"/>
+        <a:font script="Java" typeface="Javanese Text"/>
+        <a:font script="Lisu" typeface="Segoe UI"/>
+        <a:font script="Mymr" typeface="Myanmar Text"/>
+        <a:font script="Nkoo" typeface="Ebrima"/>
+        <a:font script="Olck" typeface="Nirmala UI"/>
+        <a:font script="Osma" typeface="Ebrima"/>
+        <a:font script="Phag" typeface="Phagspa"/>
+        <a:font script="Syrn" typeface="Estrangelo Edessa"/>
+        <a:font script="Syrj" typeface="Estrangelo Edessa"/>
+        <a:font script="Syre" typeface="Estrangelo Edessa"/>
+        <a:font script="Sora" typeface="Nirmala UI"/>
+        <a:font script="Tale" typeface="Microsoft Tai Le"/>
+        <a:font script="Talu" typeface="Microsoft New Tai Lue"/>
+        <a:font script="Tfng" typeface="Ebrima"/>
+      </a:majorFont>
+      <a:minorFont>
+        <a:latin typeface="Calibri" panose="020F0502020204030204"/>
+        <a:ea typeface=""/>
+        <a:cs typeface=""/>
+        <a:font script="Jpan" typeface="游ゴシック"/>
+        <a:font script="Hang" typeface="맑은 고딕"/>
+        <a:font script="Hans" typeface="等线"/>
+        <a:font script="Hant" typeface="新細明體"/>
+        <a:font script="Arab" typeface="Arial"/>
+        <a:font script="Hebr" typeface="Arial"/>
+        <a:font script="Thai" typeface="Cordia New"/>
+        <a:font script="Ethi" typeface="Nyala"/>
+        <a:font script="Beng" typeface="Vrinda"/>
+        <a:font script="Gujr" typeface="Shruti"/>
+        <a:font script="Khmr" typeface="DaunPenh"/>
+        <a:font script="Knda" typeface="Tunga"/>
+        <a:font script="Guru" typeface="Raavi"/>
+        <a:font script="Cans" typeface="Euphemia"/>
+        <a:font script="Cher" typeface="Plantagenet Cherokee"/>
+        <a:font script="Yiii" typeface="Microsoft Yi Baiti"/>
+        <a:font script="Tibt" typeface="Microsoft Himalaya"/>
+        <a:font script="Thaa" typeface="MV Boli"/>
+        <a:font script="Deva" typeface="Mangal"/>
+        <a:font script="Telu" typeface="Gautami"/>
+        <a:font script="Taml" typeface="Latha"/>
+        <a:font script="Syrc" typeface="Estrangelo Edessa"/>
+        <a:font script="Orya" typeface="Kalinga"/>
+        <a:font script="Mlym" typeface="Kartika"/>
+        <a:font script="Laoo" typeface="DokChampa"/>
+        <a:font script="Sinh" typeface="Iskoola Pota"/>
+        <a:font script="Mong" typeface="Mongolian Baiti"/>
+        <a:font script="Viet" typeface="Arial"/>
+        <a:font script="Uigh" typeface="Microsoft Uighur"/>
+        <a:font script="Geor" typeface="Sylfaen"/>
+        <a:font script="Armn" typeface="Arial"/>
+        <a:font script="Bugi" typeface="Leelawadee UI"/>
+        <a:font script="Bopo" typeface="Microsoft JhengHei"/>
+        <a:font script="Java" typeface="Javanese Text"/>
+        <a:font script="Lisu" typeface="Segoe UI"/>
+        <a:font script="Mymr" typeface="Myanmar Text"/>
+        <a:font script="Nkoo" typeface="Ebrima"/>
+        <a:font script="Olck" typeface="Nirmala UI"/>
+        <a:font script="Osma" typeface="Ebrima"/>
+        <a:font script="Phag" typeface="Phagspa"/>
+        <a:font script="Syrn" typeface="Estrangelo Edessa"/>
+        <a:font script="Syrj" typeface="Estrangelo Edessa"/>
+        <a:font script="Syre" typeface="Estrangelo Edessa"/>
+        <a:font script="Sora" typeface="Nirmala UI"/>
+        <a:font script="Tale" typeface="Microsoft Tai Le"/>
+        <a:font script="Talu" typeface="Microsoft New Tai Lue"/>
+        <a:font script="Tfng" typeface="Ebrima"/>
+      </a:minorFont>
+    </a:fontScheme>
+    <a:fmtScheme name="Office">
+      <a:fillStyleLst>
+        <a:solidFill>
+          <a:schemeClr val="phClr"/>
+        </a:solidFill>
+        <a:gradFill rotWithShape="1">
+          <a:gsLst>
+            <a:gs pos="0">
+              <a:schemeClr val="phClr">
+                <a:lumMod val="110000"/>
+                <a:satMod val="105000"/>
+                <a:tint val="67000"/>
+              </a:schemeClr>
+            </a:gs>
+            <a:gs pos="50000">
+              <a:schemeClr val="phClr">
+                <a:lumMod val="105000"/>
+                <a:satMod val="103000"/>
+                <a:tint val="73000"/>
+              </a:schemeClr>
+            </a:gs>
+            <a:gs pos="100000">
+              <a:schemeClr val="phClr">
+                <a:lumMod val="105000"/>
+                <a:satMod val="109000"/>
+                <a:tint val="81000"/>
+              </a:schemeClr>
+            </a:gs>
+          </a:gsLst>
+          <a:lin ang="5400000" scaled="0"/>
+        </a:gradFill>
+        <a:gradFill rotWithShape="1">
+          <a:gsLst>
+            <a:gs pos="0">
+              <a:schemeClr val="phClr">
+                <a:satMod val="103000"/>
+                <a:lumMod val="102000"/>
+                <a:tint val="94000"/>
+              </a:schemeClr>
+            </a:gs>
+            <a:gs pos="50000">
+              <a:schemeClr val="phClr">
+                <a:satMod val="110000"/>
+                <a:lumMod val="100000"/>
+                <a:shade val="100000"/>
+              </a:schemeClr>
+            </a:gs>
+            <a:gs pos="100000">
+              <a:schemeClr val="phClr">
+                <a:lumMod val="99000"/>
+                <a:satMod val="120000"/>
+                <a:shade val="78000"/>
+              </a:schemeClr>
+            </a:gs>
+          </a:gsLst>
+          <a:lin ang="5400000" scaled="0"/>
+        </a:gradFill>
+      </a:fillStyleLst>
+      <a:lnStyleLst>
+        <a:ln w="6350" cap="flat" cmpd="sng" algn="ctr">
+          <a:solidFill>
+            <a:schemeClr val="phClr"/>
+          </a:solidFill>
+          <a:prstDash val="solid"/>
+          <a:miter lim="800000"/>
+        </a:ln>
+        <a:ln w="12700" cap="flat" cmpd="sng" algn="ctr">
+          <a:solidFill>
+            <a:schemeClr val="phClr"/>
+          </a:solidFill>
+          <a:prstDash val="solid"/>
+          <a:miter lim="800000"/>
+        </a:ln>
+        <a:ln w="19050" cap="flat" cmpd="sng" algn="ctr">
+          <a:solidFill>
+            <a:schemeClr val="phClr"/>
+          </a:solidFill>
+          <a:prstDash val="solid"/>
+          <a:miter lim="800000"/>
+        </a:ln>
+      </a:lnStyleLst>
+      <a:effectStyleLst>
+        <a:effectStyle>
+          <a:effectLst/>
+        </a:effectStyle>
+        <a:effectStyle>
+          <a:effectLst/>
+        </a:effectStyle>
+        <a:effectStyle>
+          <a:effectLst>
+            <a:outerShdw blurRad="57150" dist="19050" dir="5400000" algn="ctr" rotWithShape="0">
+              <a:srgbClr val="000000">
+                <a:alpha val="63000"/>
+              </a:srgbClr>
+            </a:outerShdw>
+          </a:effectLst>
+        </a:effectStyle>
+      </a:effectStyleLst>
+      <a:bgFillStyleLst>
+        <a:solidFill>
+          <a:schemeClr val="phClr"/>
+        </a:solidFill>
+        <a:solidFill>
+          <a:schemeClr val="phClr">
+            <a:tint val="95000"/>
+            <a:satMod val="170000"/>
+          </a:schemeClr>
+        </a:solidFill>
+        <a:gradFill rotWithShape="1">
+          <a:gsLst>
+            <a:gs pos="0">
+              <a:schemeClr val="phClr">
+                <a:tint val="93000"/>
+                <a:satMod val="150000"/>
+                <a:shade val="98000"/>
+                <a:lumMod val="102000"/>
+              </a:schemeClr>
+            </a:gs>
+            <a:gs pos="50000">
+              <a:schemeClr val="phClr">
+                <a:tint val="98000"/>
+                <a:satMod val="130000"/>
+                <a:shade val="90000"/>
+                <a:lumMod val="103000"/>
+              </a:schemeClr>
+            </a:gs>
+            <a:gs pos="100000">
+              <a:schemeClr val="phClr">
+                <a:shade val="63000"/>
+                <a:satMod val="120000"/>
+              </a:schemeClr>
+            </a:gs>
+          </a:gsLst>
+          <a:lin ang="5400000" scaled="0"/>
+        </a:gradFill>
+      </a:bgFillStyleLst>
+    </a:fmtScheme>
+  </a:themeElements>
+  <a:objectDefaults/>
+  <a:extraClrSchemeLst/>
+  <a:extLst>
+    <a:ext uri="{05A4C25C-085E-4340-85A3-A5531E510DB2}">
+      <thm15:themeFamily xmlns:thm15="http://schemas.microsoft.com/office/thememl/2012/main" name="Office Theme" id="{62F939B6-93AF-4DB8-9C6B-D6C7DFDC589F}" vid="{4A3C46E8-61CC-4603-A589-7422A47A8E4A}"/>
+    </a:ext>
+  </a:extLst>
+</a:theme>
 </file>
--- a/analysis/submitted_analyses/fixation_process.pptx
+++ b/analysis/submitted_analyses/fixation_process.pptx
@@ -197,7 +197,7 @@
           <a:p>
             <a:fld id="{9C6F0873-8CB7-504D-9864-58FDE15F938D}" type="datetimeFigureOut">
               <a:rPr lang="en-US" smtClean="0"/>
-              <a:t>6/14/24</a:t>
+              <a:t>6/16/24</a:t>
             </a:fld>
             <a:endParaRPr lang="en-US"/>
           </a:p>
@@ -679,7 +679,7 @@
           <a:p>
             <a:fld id="{CFC60B5F-2253-DF41-8690-61B53F1555CE}" type="datetimeFigureOut">
               <a:rPr lang="en-US" smtClean="0"/>
-              <a:t>6/14/24</a:t>
+              <a:t>6/16/24</a:t>
             </a:fld>
             <a:endParaRPr lang="en-US"/>
           </a:p>
@@ -849,7 +849,7 @@
           <a:p>
             <a:fld id="{CFC60B5F-2253-DF41-8690-61B53F1555CE}" type="datetimeFigureOut">
               <a:rPr lang="en-US" smtClean="0"/>
-              <a:t>6/14/24</a:t>
+              <a:t>6/16/24</a:t>
             </a:fld>
             <a:endParaRPr lang="en-US"/>
           </a:p>
@@ -1029,7 +1029,7 @@
           <a:p>
             <a:fld id="{CFC60B5F-2253-DF41-8690-61B53F1555CE}" type="datetimeFigureOut">
               <a:rPr lang="en-US" smtClean="0"/>
-              <a:t>6/14/24</a:t>
+              <a:t>6/16/24</a:t>
             </a:fld>
             <a:endParaRPr lang="en-US"/>
           </a:p>
@@ -1199,7 +1199,7 @@
           <a:p>
             <a:fld id="{CFC60B5F-2253-DF41-8690-61B53F1555CE}" type="datetimeFigureOut">
               <a:rPr lang="en-US" smtClean="0"/>
-              <a:t>6/14/24</a:t>
+              <a:t>6/16/24</a:t>
             </a:fld>
             <a:endParaRPr lang="en-US"/>
           </a:p>
@@ -1443,7 +1443,7 @@
           <a:p>
             <a:fld id="{CFC60B5F-2253-DF41-8690-61B53F1555CE}" type="datetimeFigureOut">
               <a:rPr lang="en-US" smtClean="0"/>
-              <a:t>6/14/24</a:t>
+              <a:t>6/16/24</a:t>
             </a:fld>
             <a:endParaRPr lang="en-US"/>
           </a:p>
@@ -1675,7 +1675,7 @@
           <a:p>
             <a:fld id="{CFC60B5F-2253-DF41-8690-61B53F1555CE}" type="datetimeFigureOut">
               <a:rPr lang="en-US" smtClean="0"/>
-              <a:t>6/14/24</a:t>
+              <a:t>6/16/24</a:t>
             </a:fld>
             <a:endParaRPr lang="en-US"/>
           </a:p>
@@ -2042,7 +2042,7 @@
           <a:p>
             <a:fld id="{CFC60B5F-2253-DF41-8690-61B53F1555CE}" type="datetimeFigureOut">
               <a:rPr lang="en-US" smtClean="0"/>
-              <a:t>6/14/24</a:t>
+              <a:t>6/16/24</a:t>
             </a:fld>
             <a:endParaRPr lang="en-US"/>
           </a:p>
@@ -2160,7 +2160,7 @@
           <a:p>
             <a:fld id="{CFC60B5F-2253-DF41-8690-61B53F1555CE}" type="datetimeFigureOut">
               <a:rPr lang="en-US" smtClean="0"/>
-              <a:t>6/14/24</a:t>
+              <a:t>6/16/24</a:t>
             </a:fld>
             <a:endParaRPr lang="en-US"/>
           </a:p>
@@ -2255,7 +2255,7 @@
           <a:p>
             <a:fld id="{CFC60B5F-2253-DF41-8690-61B53F1555CE}" type="datetimeFigureOut">
               <a:rPr lang="en-US" smtClean="0"/>
-              <a:t>6/14/24</a:t>
+              <a:t>6/16/24</a:t>
             </a:fld>
             <a:endParaRPr lang="en-US"/>
           </a:p>
@@ -2532,7 +2532,7 @@
           <a:p>
             <a:fld id="{CFC60B5F-2253-DF41-8690-61B53F1555CE}" type="datetimeFigureOut">
               <a:rPr lang="en-US" smtClean="0"/>
-              <a:t>6/14/24</a:t>
+              <a:t>6/16/24</a:t>
             </a:fld>
             <a:endParaRPr lang="en-US"/>
           </a:p>
@@ -2789,7 +2789,7 @@
           <a:p>
             <a:fld id="{CFC60B5F-2253-DF41-8690-61B53F1555CE}" type="datetimeFigureOut">
               <a:rPr lang="en-US" smtClean="0"/>
-              <a:t>6/14/24</a:t>
+              <a:t>6/16/24</a:t>
             </a:fld>
             <a:endParaRPr lang="en-US"/>
           </a:p>
@@ -3002,7 +3002,7 @@
           <a:p>
             <a:fld id="{CFC60B5F-2253-DF41-8690-61B53F1555CE}" type="datetimeFigureOut">
               <a:rPr lang="en-US" smtClean="0"/>
-              <a:t>6/14/24</a:t>
+              <a:t>6/16/24</a:t>
             </a:fld>
             <a:endParaRPr lang="en-US"/>
           </a:p>
@@ -3409,10 +3409,10 @@
       </p:grpSpPr>
       <p:pic>
         <p:nvPicPr>
-          <p:cNvPr id="5" name="Picture 4">
+          <p:cNvPr id="22" name="Picture 21">
             <a:extLst>
               <a:ext uri="{FF2B5EF4-FFF2-40B4-BE49-F238E27FC236}">
-                <a16:creationId xmlns:a16="http://schemas.microsoft.com/office/drawing/2014/main" id="{381C19AC-C19A-418A-C17D-578322B38F7B}"/>
+                <a16:creationId xmlns:a16="http://schemas.microsoft.com/office/drawing/2014/main" id="{DC804FF9-44F1-8897-DCC0-AD7637705849}"/>
               </a:ext>
             </a:extLst>
           </p:cNvPr>
@@ -3429,7 +3429,97 @@
         </p:blipFill>
         <p:spPr>
           <a:xfrm>
-            <a:off x="0" y="4112567"/>
+            <a:off x="5486400" y="4115979"/>
+            <a:ext cx="5486400" cy="3657600"/>
+          </a:xfrm>
+          <a:prstGeom prst="rect">
+            <a:avLst/>
+          </a:prstGeom>
+        </p:spPr>
+      </p:pic>
+      <p:pic>
+        <p:nvPicPr>
+          <p:cNvPr id="26" name="Picture 25">
+            <a:extLst>
+              <a:ext uri="{FF2B5EF4-FFF2-40B4-BE49-F238E27FC236}">
+                <a16:creationId xmlns:a16="http://schemas.microsoft.com/office/drawing/2014/main" id="{767DA073-7B8F-2A29-0FC0-2B467ADCEE85}"/>
+              </a:ext>
+            </a:extLst>
+          </p:cNvPr>
+          <p:cNvPicPr>
+            <a:picLocks noChangeAspect="1"/>
+          </p:cNvPicPr>
+          <p:nvPr/>
+        </p:nvPicPr>
+        <p:blipFill>
+          <a:blip r:embed="rId4"/>
+          <a:stretch>
+            <a:fillRect/>
+          </a:stretch>
+        </p:blipFill>
+        <p:spPr>
+          <a:xfrm>
+            <a:off x="0" y="4103511"/>
+            <a:ext cx="5486400" cy="3657600"/>
+          </a:xfrm>
+          <a:prstGeom prst="rect">
+            <a:avLst/>
+          </a:prstGeom>
+        </p:spPr>
+      </p:pic>
+      <p:pic>
+        <p:nvPicPr>
+          <p:cNvPr id="30" name="Picture 29">
+            <a:extLst>
+              <a:ext uri="{FF2B5EF4-FFF2-40B4-BE49-F238E27FC236}">
+                <a16:creationId xmlns:a16="http://schemas.microsoft.com/office/drawing/2014/main" id="{3EA9B60A-14C6-5FE3-5D31-94B64D52E7E4}"/>
+              </a:ext>
+            </a:extLst>
+          </p:cNvPr>
+          <p:cNvPicPr>
+            <a:picLocks noChangeAspect="1"/>
+          </p:cNvPicPr>
+          <p:nvPr/>
+        </p:nvPicPr>
+        <p:blipFill>
+          <a:blip r:embed="rId5"/>
+          <a:stretch>
+            <a:fillRect/>
+          </a:stretch>
+        </p:blipFill>
+        <p:spPr>
+          <a:xfrm>
+            <a:off x="10972800" y="4103511"/>
+            <a:ext cx="5486400" cy="3657600"/>
+          </a:xfrm>
+          <a:prstGeom prst="rect">
+            <a:avLst/>
+          </a:prstGeom>
+        </p:spPr>
+      </p:pic>
+      <p:pic>
+        <p:nvPicPr>
+          <p:cNvPr id="11" name="Picture 10">
+            <a:extLst>
+              <a:ext uri="{FF2B5EF4-FFF2-40B4-BE49-F238E27FC236}">
+                <a16:creationId xmlns:a16="http://schemas.microsoft.com/office/drawing/2014/main" id="{074A5D99-29A7-0BE3-CFCF-2E4D351F78C8}"/>
+              </a:ext>
+            </a:extLst>
+          </p:cNvPr>
+          <p:cNvPicPr>
+            <a:picLocks noChangeAspect="1"/>
+          </p:cNvPicPr>
+          <p:nvPr/>
+        </p:nvPicPr>
+        <p:blipFill>
+          <a:blip r:embed="rId6"/>
+          <a:stretch>
+            <a:fillRect/>
+          </a:stretch>
+        </p:blipFill>
+        <p:spPr>
+          <a:xfrm>
+            <a:off x="5486400" y="457200"/>
             <a:ext cx="5486400" cy="3657600"/>
           </a:xfrm>
           <a:prstGeom prst="rect">
@@ -3452,7 +3542,7 @@
           <p:nvPr/>
         </p:nvPicPr>
         <p:blipFill>
-          <a:blip r:embed="rId4"/>
+          <a:blip r:embed="rId7"/>
           <a:stretch>
             <a:fillRect/>
           </a:stretch>
@@ -3460,36 +3550,6 @@
         <p:spPr>
           <a:xfrm>
             <a:off x="0" y="457200"/>
-            <a:ext cx="5486400" cy="3657600"/>
-          </a:xfrm>
-          <a:prstGeom prst="rect">
-            <a:avLst/>
-          </a:prstGeom>
-        </p:spPr>
-      </p:pic>
-      <p:pic>
-        <p:nvPicPr>
-          <p:cNvPr id="14" name="Picture 13">
-            <a:extLst>
-              <a:ext uri="{FF2B5EF4-FFF2-40B4-BE49-F238E27FC236}">
-                <a16:creationId xmlns:a16="http://schemas.microsoft.com/office/drawing/2014/main" id="{A1E35789-C0B4-CACF-111B-887D64D4AF8F}"/>
-              </a:ext>
-            </a:extLst>
-          </p:cNvPr>
-          <p:cNvPicPr>
-            <a:picLocks noChangeAspect="1"/>
-          </p:cNvPicPr>
-          <p:nvPr/>
-        </p:nvPicPr>
-        <p:blipFill>
-          <a:blip r:embed="rId5"/>
-          <a:stretch>
-            <a:fillRect/>
-          </a:stretch>
-        </p:blipFill>
-        <p:spPr>
-          <a:xfrm>
-            <a:off x="0" y="15085494"/>
             <a:ext cx="5486400" cy="3657600"/>
           </a:xfrm>
           <a:prstGeom prst="rect">
@@ -3583,106 +3643,10 @@
       </p:cxnSp>
       <p:pic>
         <p:nvPicPr>
-          <p:cNvPr id="7" name="Picture 6">
-            <a:extLst>
-              <a:ext uri="{FF2B5EF4-FFF2-40B4-BE49-F238E27FC236}">
-                <a16:creationId xmlns:a16="http://schemas.microsoft.com/office/drawing/2014/main" id="{94581D9E-6A44-232F-B293-9332B3CE87BB}"/>
-              </a:ext>
-            </a:extLst>
-          </p:cNvPr>
-          <p:cNvPicPr>
-            <a:picLocks noChangeAspect="1"/>
-          </p:cNvPicPr>
-          <p:nvPr/>
-        </p:nvPicPr>
-        <p:blipFill>
-          <a:blip r:embed="rId6"/>
-          <a:stretch>
-            <a:fillRect/>
-          </a:stretch>
-        </p:blipFill>
-        <p:spPr>
-          <a:xfrm>
-            <a:off x="0" y="7767935"/>
-            <a:ext cx="5486400" cy="3657600"/>
-          </a:xfrm>
-          <a:prstGeom prst="rect">
-            <a:avLst/>
-          </a:prstGeom>
-        </p:spPr>
-      </p:pic>
-      <p:pic>
-        <p:nvPicPr>
           <p:cNvPr id="10" name="Picture 9">
             <a:extLst>
               <a:ext uri="{FF2B5EF4-FFF2-40B4-BE49-F238E27FC236}">
                 <a16:creationId xmlns:a16="http://schemas.microsoft.com/office/drawing/2014/main" id="{D5A589FB-F1A1-80B5-E355-077488820BB6}"/>
-              </a:ext>
-            </a:extLst>
-          </p:cNvPr>
-          <p:cNvPicPr>
-            <a:picLocks noChangeAspect="1"/>
-          </p:cNvPicPr>
-          <p:nvPr/>
-        </p:nvPicPr>
-        <p:blipFill>
-          <a:blip r:embed="rId7"/>
-          <a:stretch>
-            <a:fillRect/>
-          </a:stretch>
-        </p:blipFill>
-        <p:spPr>
-          <a:xfrm>
-            <a:off x="0" y="11421070"/>
-            <a:ext cx="5486400" cy="3657600"/>
-          </a:xfrm>
-          <a:prstGeom prst="rect">
-            <a:avLst/>
-          </a:prstGeom>
-        </p:spPr>
-      </p:pic>
-      <p:sp>
-        <p:nvSpPr>
-          <p:cNvPr id="2" name="TextBox 1">
-            <a:extLst>
-              <a:ext uri="{FF2B5EF4-FFF2-40B4-BE49-F238E27FC236}">
-                <a16:creationId xmlns:a16="http://schemas.microsoft.com/office/drawing/2014/main" id="{FC35CBCD-8478-40C2-4A68-5407EC0FBBB4}"/>
-              </a:ext>
-            </a:extLst>
-          </p:cNvPr>
-          <p:cNvSpPr txBox="1"/>
-          <p:nvPr/>
-        </p:nvSpPr>
-        <p:spPr>
-          <a:xfrm>
-            <a:off x="0" y="8929"/>
-            <a:ext cx="5486400" cy="461665"/>
-          </a:xfrm>
-          <a:prstGeom prst="rect">
-            <a:avLst/>
-          </a:prstGeom>
-          <a:noFill/>
-        </p:spPr>
-        <p:txBody>
-          <a:bodyPr wrap="square" rtlCol="0">
-            <a:spAutoFit/>
-          </a:bodyPr>
-          <a:lstStyle/>
-          <a:p>
-            <a:pPr algn="ctr"/>
-            <a:r>
-              <a:rPr lang="en-US" sz="2400" b="1" dirty="0"/>
-              <a:t>Exploratory</a:t>
-            </a:r>
-          </a:p>
-        </p:txBody>
-      </p:sp>
-      <p:pic>
-        <p:nvPicPr>
-          <p:cNvPr id="6" name="Picture 5">
-            <a:extLst>
-              <a:ext uri="{FF2B5EF4-FFF2-40B4-BE49-F238E27FC236}">
-                <a16:creationId xmlns:a16="http://schemas.microsoft.com/office/drawing/2014/main" id="{DE03B903-E145-8603-D821-1D832216774F}"/>
               </a:ext>
             </a:extLst>
           </p:cNvPr>
@@ -3699,7 +3663,7 @@
         </p:blipFill>
         <p:spPr>
           <a:xfrm>
-            <a:off x="5486400" y="457200"/>
+            <a:off x="0" y="11421070"/>
             <a:ext cx="5486400" cy="3657600"/>
           </a:xfrm>
           <a:prstGeom prst="rect">
@@ -3707,6 +3671,42 @@
           </a:prstGeom>
         </p:spPr>
       </p:pic>
+      <p:sp>
+        <p:nvSpPr>
+          <p:cNvPr id="2" name="TextBox 1">
+            <a:extLst>
+              <a:ext uri="{FF2B5EF4-FFF2-40B4-BE49-F238E27FC236}">
+                <a16:creationId xmlns:a16="http://schemas.microsoft.com/office/drawing/2014/main" id="{FC35CBCD-8478-40C2-4A68-5407EC0FBBB4}"/>
+              </a:ext>
+            </a:extLst>
+          </p:cNvPr>
+          <p:cNvSpPr txBox="1"/>
+          <p:nvPr/>
+        </p:nvSpPr>
+        <p:spPr>
+          <a:xfrm>
+            <a:off x="0" y="8929"/>
+            <a:ext cx="5486400" cy="461665"/>
+          </a:xfrm>
+          <a:prstGeom prst="rect">
+            <a:avLst/>
+          </a:prstGeom>
+          <a:noFill/>
+        </p:spPr>
+        <p:txBody>
+          <a:bodyPr wrap="square" rtlCol="0">
+            <a:spAutoFit/>
+          </a:bodyPr>
+          <a:lstStyle/>
+          <a:p>
+            <a:pPr algn="ctr"/>
+            <a:r>
+              <a:rPr lang="en-US" sz="2400" b="1" dirty="0"/>
+              <a:t>Exploratory</a:t>
+            </a:r>
+          </a:p>
+        </p:txBody>
+      </p:sp>
       <p:pic>
         <p:nvPicPr>
           <p:cNvPr id="9" name="Picture 8">
@@ -3730,66 +3730,6 @@
         <p:spPr>
           <a:xfrm>
             <a:off x="10972800" y="457200"/>
-            <a:ext cx="5486400" cy="3657600"/>
-          </a:xfrm>
-          <a:prstGeom prst="rect">
-            <a:avLst/>
-          </a:prstGeom>
-        </p:spPr>
-      </p:pic>
-      <p:pic>
-        <p:nvPicPr>
-          <p:cNvPr id="12" name="Picture 11">
-            <a:extLst>
-              <a:ext uri="{FF2B5EF4-FFF2-40B4-BE49-F238E27FC236}">
-                <a16:creationId xmlns:a16="http://schemas.microsoft.com/office/drawing/2014/main" id="{7E9FE4AE-800E-547A-D156-631F4E85127F}"/>
-              </a:ext>
-            </a:extLst>
-          </p:cNvPr>
-          <p:cNvPicPr>
-            <a:picLocks noChangeAspect="1"/>
-          </p:cNvPicPr>
-          <p:nvPr/>
-        </p:nvPicPr>
-        <p:blipFill>
-          <a:blip r:embed="rId10"/>
-          <a:stretch>
-            <a:fillRect/>
-          </a:stretch>
-        </p:blipFill>
-        <p:spPr>
-          <a:xfrm>
-            <a:off x="5486400" y="4112567"/>
-            <a:ext cx="5486400" cy="3657600"/>
-          </a:xfrm>
-          <a:prstGeom prst="rect">
-            <a:avLst/>
-          </a:prstGeom>
-        </p:spPr>
-      </p:pic>
-      <p:pic>
-        <p:nvPicPr>
-          <p:cNvPr id="15" name="Picture 14">
-            <a:extLst>
-              <a:ext uri="{FF2B5EF4-FFF2-40B4-BE49-F238E27FC236}">
-                <a16:creationId xmlns:a16="http://schemas.microsoft.com/office/drawing/2014/main" id="{7E457444-240D-F907-DB83-17418F5DDFB4}"/>
-              </a:ext>
-            </a:extLst>
-          </p:cNvPr>
-          <p:cNvPicPr>
-            <a:picLocks noChangeAspect="1"/>
-          </p:cNvPicPr>
-          <p:nvPr/>
-        </p:nvPicPr>
-        <p:blipFill>
-          <a:blip r:embed="rId11"/>
-          <a:stretch>
-            <a:fillRect/>
-          </a:stretch>
-        </p:blipFill>
-        <p:spPr>
-          <a:xfrm>
-            <a:off x="10972800" y="4112567"/>
             <a:ext cx="5486400" cy="3657600"/>
           </a:xfrm>
           <a:prstGeom prst="rect">
@@ -3967,96 +3907,6 @@
       </p:cxnSp>
       <p:pic>
         <p:nvPicPr>
-          <p:cNvPr id="23" name="Picture 22">
-            <a:extLst>
-              <a:ext uri="{FF2B5EF4-FFF2-40B4-BE49-F238E27FC236}">
-                <a16:creationId xmlns:a16="http://schemas.microsoft.com/office/drawing/2014/main" id="{19849A97-31E9-4587-49A2-FF8D537B532C}"/>
-              </a:ext>
-            </a:extLst>
-          </p:cNvPr>
-          <p:cNvPicPr>
-            <a:picLocks noChangeAspect="1"/>
-          </p:cNvPicPr>
-          <p:nvPr/>
-        </p:nvPicPr>
-        <p:blipFill>
-          <a:blip r:embed="rId12"/>
-          <a:stretch>
-            <a:fillRect/>
-          </a:stretch>
-        </p:blipFill>
-        <p:spPr>
-          <a:xfrm>
-            <a:off x="5486400" y="7767935"/>
-            <a:ext cx="5486400" cy="3657600"/>
-          </a:xfrm>
-          <a:prstGeom prst="rect">
-            <a:avLst/>
-          </a:prstGeom>
-        </p:spPr>
-      </p:pic>
-      <p:pic>
-        <p:nvPicPr>
-          <p:cNvPr id="25" name="Picture 24">
-            <a:extLst>
-              <a:ext uri="{FF2B5EF4-FFF2-40B4-BE49-F238E27FC236}">
-                <a16:creationId xmlns:a16="http://schemas.microsoft.com/office/drawing/2014/main" id="{AA660D9C-9E5D-BB32-4E7F-CAF53EB5FC0B}"/>
-              </a:ext>
-            </a:extLst>
-          </p:cNvPr>
-          <p:cNvPicPr>
-            <a:picLocks noChangeAspect="1"/>
-          </p:cNvPicPr>
-          <p:nvPr/>
-        </p:nvPicPr>
-        <p:blipFill>
-          <a:blip r:embed="rId13"/>
-          <a:stretch>
-            <a:fillRect/>
-          </a:stretch>
-        </p:blipFill>
-        <p:spPr>
-          <a:xfrm>
-            <a:off x="10972800" y="7767935"/>
-            <a:ext cx="5486400" cy="3657600"/>
-          </a:xfrm>
-          <a:prstGeom prst="rect">
-            <a:avLst/>
-          </a:prstGeom>
-        </p:spPr>
-      </p:pic>
-      <p:pic>
-        <p:nvPicPr>
-          <p:cNvPr id="27" name="Picture 26">
-            <a:extLst>
-              <a:ext uri="{FF2B5EF4-FFF2-40B4-BE49-F238E27FC236}">
-                <a16:creationId xmlns:a16="http://schemas.microsoft.com/office/drawing/2014/main" id="{50BD63A2-5D5A-4F2F-BB1D-8A3A9AB8BA78}"/>
-              </a:ext>
-            </a:extLst>
-          </p:cNvPr>
-          <p:cNvPicPr>
-            <a:picLocks noChangeAspect="1"/>
-          </p:cNvPicPr>
-          <p:nvPr/>
-        </p:nvPicPr>
-        <p:blipFill>
-          <a:blip r:embed="rId14"/>
-          <a:stretch>
-            <a:fillRect/>
-          </a:stretch>
-        </p:blipFill>
-        <p:spPr>
-          <a:xfrm>
-            <a:off x="5486400" y="11421070"/>
-            <a:ext cx="5486400" cy="3657600"/>
-          </a:xfrm>
-          <a:prstGeom prst="rect">
-            <a:avLst/>
-          </a:prstGeom>
-        </p:spPr>
-      </p:pic>
-      <p:pic>
-        <p:nvPicPr>
           <p:cNvPr id="29" name="Picture 28">
             <a:extLst>
               <a:ext uri="{FF2B5EF4-FFF2-40B4-BE49-F238E27FC236}">
@@ -4070,7 +3920,7 @@
           <p:nvPr/>
         </p:nvPicPr>
         <p:blipFill>
-          <a:blip r:embed="rId15"/>
+          <a:blip r:embed="rId10"/>
           <a:stretch>
             <a:fillRect/>
           </a:stretch>
@@ -4078,66 +3928,6 @@
         <p:spPr>
           <a:xfrm>
             <a:off x="10972800" y="11421070"/>
-            <a:ext cx="5486400" cy="3657600"/>
-          </a:xfrm>
-          <a:prstGeom prst="rect">
-            <a:avLst/>
-          </a:prstGeom>
-        </p:spPr>
-      </p:pic>
-      <p:pic>
-        <p:nvPicPr>
-          <p:cNvPr id="31" name="Picture 30">
-            <a:extLst>
-              <a:ext uri="{FF2B5EF4-FFF2-40B4-BE49-F238E27FC236}">
-                <a16:creationId xmlns:a16="http://schemas.microsoft.com/office/drawing/2014/main" id="{E44E5280-6AAC-A5B3-6FDC-54D4C2F0D374}"/>
-              </a:ext>
-            </a:extLst>
-          </p:cNvPr>
-          <p:cNvPicPr>
-            <a:picLocks noChangeAspect="1"/>
-          </p:cNvPicPr>
-          <p:nvPr/>
-        </p:nvPicPr>
-        <p:blipFill>
-          <a:blip r:embed="rId16"/>
-          <a:stretch>
-            <a:fillRect/>
-          </a:stretch>
-        </p:blipFill>
-        <p:spPr>
-          <a:xfrm>
-            <a:off x="5486400" y="15085494"/>
-            <a:ext cx="5486400" cy="3657600"/>
-          </a:xfrm>
-          <a:prstGeom prst="rect">
-            <a:avLst/>
-          </a:prstGeom>
-        </p:spPr>
-      </p:pic>
-      <p:pic>
-        <p:nvPicPr>
-          <p:cNvPr id="33" name="Picture 32">
-            <a:extLst>
-              <a:ext uri="{FF2B5EF4-FFF2-40B4-BE49-F238E27FC236}">
-                <a16:creationId xmlns:a16="http://schemas.microsoft.com/office/drawing/2014/main" id="{D0467620-5DE8-25F6-4C42-1EB69A0E5E9E}"/>
-              </a:ext>
-            </a:extLst>
-          </p:cNvPr>
-          <p:cNvPicPr>
-            <a:picLocks noChangeAspect="1"/>
-          </p:cNvPicPr>
-          <p:nvPr/>
-        </p:nvPicPr>
-        <p:blipFill>
-          <a:blip r:embed="rId17"/>
-          <a:stretch>
-            <a:fillRect/>
-          </a:stretch>
-        </p:blipFill>
-        <p:spPr>
-          <a:xfrm>
-            <a:off x="10972800" y="15085494"/>
             <a:ext cx="5486400" cy="3657600"/>
           </a:xfrm>
           <a:prstGeom prst="rect">
@@ -4231,8 +4021,8 @@
         </p:nvSpPr>
         <p:spPr>
           <a:xfrm>
-            <a:off x="869244" y="677333"/>
-            <a:ext cx="733778" cy="1354667"/>
+            <a:off x="869244" y="677334"/>
+            <a:ext cx="733778" cy="1353807"/>
           </a:xfrm>
           <a:prstGeom prst="rect">
             <a:avLst/>
@@ -4425,6 +4215,268 @@
           </a:p>
         </p:txBody>
       </p:sp>
+      <p:sp>
+        <p:nvSpPr>
+          <p:cNvPr id="4" name="Rectangle 3">
+            <a:extLst>
+              <a:ext uri="{FF2B5EF4-FFF2-40B4-BE49-F238E27FC236}">
+                <a16:creationId xmlns:a16="http://schemas.microsoft.com/office/drawing/2014/main" id="{EEFF1724-7A50-8D62-1897-F07ADB11E5DB}"/>
+              </a:ext>
+            </a:extLst>
+          </p:cNvPr>
+          <p:cNvSpPr/>
+          <p:nvPr/>
+        </p:nvSpPr>
+        <p:spPr>
+          <a:xfrm>
+            <a:off x="869244" y="683684"/>
+            <a:ext cx="733778" cy="1353807"/>
+          </a:xfrm>
+          <a:prstGeom prst="rect">
+            <a:avLst/>
+          </a:prstGeom>
+          <a:solidFill>
+            <a:schemeClr val="bg1"/>
+          </a:solidFill>
+          <a:ln>
+            <a:noFill/>
+          </a:ln>
+        </p:spPr>
+        <p:style>
+          <a:lnRef idx="2">
+            <a:schemeClr val="accent1">
+              <a:shade val="15000"/>
+            </a:schemeClr>
+          </a:lnRef>
+          <a:fillRef idx="1">
+            <a:schemeClr val="accent1"/>
+          </a:fillRef>
+          <a:effectRef idx="0">
+            <a:schemeClr val="accent1"/>
+          </a:effectRef>
+          <a:fontRef idx="minor">
+            <a:schemeClr val="lt1"/>
+          </a:fontRef>
+        </p:style>
+        <p:txBody>
+          <a:bodyPr rtlCol="0" anchor="ctr"/>
+          <a:lstStyle/>
+          <a:p>
+            <a:pPr algn="ctr"/>
+            <a:endParaRPr lang="en-US"/>
+          </a:p>
+        </p:txBody>
+      </p:sp>
+      <p:pic>
+        <p:nvPicPr>
+          <p:cNvPr id="40" name="Picture 39">
+            <a:extLst>
+              <a:ext uri="{FF2B5EF4-FFF2-40B4-BE49-F238E27FC236}">
+                <a16:creationId xmlns:a16="http://schemas.microsoft.com/office/drawing/2014/main" id="{C7D30EFC-B682-4586-D74C-949C1D1BC449}"/>
+              </a:ext>
+            </a:extLst>
+          </p:cNvPr>
+          <p:cNvPicPr>
+            <a:picLocks noChangeAspect="1"/>
+          </p:cNvPicPr>
+          <p:nvPr/>
+        </p:nvPicPr>
+        <p:blipFill>
+          <a:blip r:embed="rId11"/>
+          <a:stretch>
+            <a:fillRect/>
+          </a:stretch>
+        </p:blipFill>
+        <p:spPr>
+          <a:xfrm>
+            <a:off x="5486400" y="7773579"/>
+            <a:ext cx="5486400" cy="3657600"/>
+          </a:xfrm>
+          <a:prstGeom prst="rect">
+            <a:avLst/>
+          </a:prstGeom>
+        </p:spPr>
+      </p:pic>
+      <p:pic>
+        <p:nvPicPr>
+          <p:cNvPr id="42" name="Picture 41">
+            <a:extLst>
+              <a:ext uri="{FF2B5EF4-FFF2-40B4-BE49-F238E27FC236}">
+                <a16:creationId xmlns:a16="http://schemas.microsoft.com/office/drawing/2014/main" id="{B8B24F68-898B-C070-6BE0-C4131E57C0C5}"/>
+              </a:ext>
+            </a:extLst>
+          </p:cNvPr>
+          <p:cNvPicPr>
+            <a:picLocks noChangeAspect="1"/>
+          </p:cNvPicPr>
+          <p:nvPr/>
+        </p:nvPicPr>
+        <p:blipFill>
+          <a:blip r:embed="rId12"/>
+          <a:stretch>
+            <a:fillRect/>
+          </a:stretch>
+        </p:blipFill>
+        <p:spPr>
+          <a:xfrm>
+            <a:off x="0" y="7771777"/>
+            <a:ext cx="5486400" cy="3657600"/>
+          </a:xfrm>
+          <a:prstGeom prst="rect">
+            <a:avLst/>
+          </a:prstGeom>
+        </p:spPr>
+      </p:pic>
+      <p:pic>
+        <p:nvPicPr>
+          <p:cNvPr id="44" name="Picture 43">
+            <a:extLst>
+              <a:ext uri="{FF2B5EF4-FFF2-40B4-BE49-F238E27FC236}">
+                <a16:creationId xmlns:a16="http://schemas.microsoft.com/office/drawing/2014/main" id="{0F3129DD-E585-4E3D-DDC3-CCAC4DAB43F0}"/>
+              </a:ext>
+            </a:extLst>
+          </p:cNvPr>
+          <p:cNvPicPr>
+            <a:picLocks noChangeAspect="1"/>
+          </p:cNvPicPr>
+          <p:nvPr/>
+        </p:nvPicPr>
+        <p:blipFill>
+          <a:blip r:embed="rId13"/>
+          <a:stretch>
+            <a:fillRect/>
+          </a:stretch>
+        </p:blipFill>
+        <p:spPr>
+          <a:xfrm>
+            <a:off x="10972800" y="7762913"/>
+            <a:ext cx="5486400" cy="3657600"/>
+          </a:xfrm>
+          <a:prstGeom prst="rect">
+            <a:avLst/>
+          </a:prstGeom>
+        </p:spPr>
+      </p:pic>
+      <p:pic>
+        <p:nvPicPr>
+          <p:cNvPr id="46" name="Picture 45">
+            <a:extLst>
+              <a:ext uri="{FF2B5EF4-FFF2-40B4-BE49-F238E27FC236}">
+                <a16:creationId xmlns:a16="http://schemas.microsoft.com/office/drawing/2014/main" id="{4F149E98-57F2-A57B-7CC5-E951A79793EB}"/>
+              </a:ext>
+            </a:extLst>
+          </p:cNvPr>
+          <p:cNvPicPr>
+            <a:picLocks noChangeAspect="1"/>
+          </p:cNvPicPr>
+          <p:nvPr/>
+        </p:nvPicPr>
+        <p:blipFill>
+          <a:blip r:embed="rId14"/>
+          <a:stretch>
+            <a:fillRect/>
+          </a:stretch>
+        </p:blipFill>
+        <p:spPr>
+          <a:xfrm>
+            <a:off x="5486400" y="11429377"/>
+            <a:ext cx="5486400" cy="3657600"/>
+          </a:xfrm>
+          <a:prstGeom prst="rect">
+            <a:avLst/>
+          </a:prstGeom>
+        </p:spPr>
+      </p:pic>
+      <p:pic>
+        <p:nvPicPr>
+          <p:cNvPr id="50" name="Picture 49">
+            <a:extLst>
+              <a:ext uri="{FF2B5EF4-FFF2-40B4-BE49-F238E27FC236}">
+                <a16:creationId xmlns:a16="http://schemas.microsoft.com/office/drawing/2014/main" id="{0136A011-4EF5-C57A-953A-8E45C0801994}"/>
+              </a:ext>
+            </a:extLst>
+          </p:cNvPr>
+          <p:cNvPicPr>
+            <a:picLocks noChangeAspect="1"/>
+          </p:cNvPicPr>
+          <p:nvPr/>
+        </p:nvPicPr>
+        <p:blipFill>
+          <a:blip r:embed="rId15"/>
+          <a:stretch>
+            <a:fillRect/>
+          </a:stretch>
+        </p:blipFill>
+        <p:spPr>
+          <a:xfrm>
+            <a:off x="5486400" y="15087600"/>
+            <a:ext cx="5486400" cy="3657600"/>
+          </a:xfrm>
+          <a:prstGeom prst="rect">
+            <a:avLst/>
+          </a:prstGeom>
+        </p:spPr>
+      </p:pic>
+      <p:pic>
+        <p:nvPicPr>
+          <p:cNvPr id="52" name="Picture 51">
+            <a:extLst>
+              <a:ext uri="{FF2B5EF4-FFF2-40B4-BE49-F238E27FC236}">
+                <a16:creationId xmlns:a16="http://schemas.microsoft.com/office/drawing/2014/main" id="{517CC00B-7440-7BF7-9561-826B63AD8C71}"/>
+              </a:ext>
+            </a:extLst>
+          </p:cNvPr>
+          <p:cNvPicPr>
+            <a:picLocks noChangeAspect="1"/>
+          </p:cNvPicPr>
+          <p:nvPr/>
+        </p:nvPicPr>
+        <p:blipFill>
+          <a:blip r:embed="rId16"/>
+          <a:stretch>
+            <a:fillRect/>
+          </a:stretch>
+        </p:blipFill>
+        <p:spPr>
+          <a:xfrm>
+            <a:off x="10972800" y="15076311"/>
+            <a:ext cx="5486400" cy="3657600"/>
+          </a:xfrm>
+          <a:prstGeom prst="rect">
+            <a:avLst/>
+          </a:prstGeom>
+        </p:spPr>
+      </p:pic>
+      <p:pic>
+        <p:nvPicPr>
+          <p:cNvPr id="54" name="Picture 53">
+            <a:extLst>
+              <a:ext uri="{FF2B5EF4-FFF2-40B4-BE49-F238E27FC236}">
+                <a16:creationId xmlns:a16="http://schemas.microsoft.com/office/drawing/2014/main" id="{988C2E0D-85C4-275E-B085-DC46D2D9CBD7}"/>
+              </a:ext>
+            </a:extLst>
+          </p:cNvPr>
+          <p:cNvPicPr>
+            <a:picLocks noChangeAspect="1"/>
+          </p:cNvPicPr>
+          <p:nvPr/>
+        </p:nvPicPr>
+        <p:blipFill>
+          <a:blip r:embed="rId17"/>
+          <a:stretch>
+            <a:fillRect/>
+          </a:stretch>
+        </p:blipFill>
+        <p:spPr>
+          <a:xfrm>
+            <a:off x="0" y="15087600"/>
+            <a:ext cx="5486400" cy="3657600"/>
+          </a:xfrm>
+          <a:prstGeom prst="rect">
+            <a:avLst/>
+          </a:prstGeom>
+        </p:spPr>
+      </p:pic>
     </p:spTree>
     <p:extLst>
       <p:ext uri="{BB962C8B-B14F-4D97-AF65-F5344CB8AC3E}">

--- a/analysis/submitted_analyses/fixation_process.pptx
+++ b/analysis/submitted_analyses/fixation_process.pptx
@@ -197,7 +197,7 @@
           <a:p>
             <a:fld id="{9C6F0873-8CB7-504D-9864-58FDE15F938D}" type="datetimeFigureOut">
               <a:rPr lang="en-US" smtClean="0"/>
-              <a:t>6/16/24</a:t>
+              <a:t>6/18/24</a:t>
             </a:fld>
             <a:endParaRPr lang="en-US"/>
           </a:p>
@@ -679,7 +679,7 @@
           <a:p>
             <a:fld id="{CFC60B5F-2253-DF41-8690-61B53F1555CE}" type="datetimeFigureOut">
               <a:rPr lang="en-US" smtClean="0"/>
-              <a:t>6/16/24</a:t>
+              <a:t>6/18/24</a:t>
             </a:fld>
             <a:endParaRPr lang="en-US"/>
           </a:p>
@@ -849,7 +849,7 @@
           <a:p>
             <a:fld id="{CFC60B5F-2253-DF41-8690-61B53F1555CE}" type="datetimeFigureOut">
               <a:rPr lang="en-US" smtClean="0"/>
-              <a:t>6/16/24</a:t>
+              <a:t>6/18/24</a:t>
             </a:fld>
             <a:endParaRPr lang="en-US"/>
           </a:p>
@@ -1029,7 +1029,7 @@
           <a:p>
             <a:fld id="{CFC60B5F-2253-DF41-8690-61B53F1555CE}" type="datetimeFigureOut">
               <a:rPr lang="en-US" smtClean="0"/>
-              <a:t>6/16/24</a:t>
+              <a:t>6/18/24</a:t>
             </a:fld>
             <a:endParaRPr lang="en-US"/>
           </a:p>
@@ -1199,7 +1199,7 @@
           <a:p>
             <a:fld id="{CFC60B5F-2253-DF41-8690-61B53F1555CE}" type="datetimeFigureOut">
               <a:rPr lang="en-US" smtClean="0"/>
-              <a:t>6/16/24</a:t>
+              <a:t>6/18/24</a:t>
             </a:fld>
             <a:endParaRPr lang="en-US"/>
           </a:p>
@@ -1443,7 +1443,7 @@
           <a:p>
             <a:fld id="{CFC60B5F-2253-DF41-8690-61B53F1555CE}" type="datetimeFigureOut">
               <a:rPr lang="en-US" smtClean="0"/>
-              <a:t>6/16/24</a:t>
+              <a:t>6/18/24</a:t>
             </a:fld>
             <a:endParaRPr lang="en-US"/>
           </a:p>
@@ -1675,7 +1675,7 @@
           <a:p>
             <a:fld id="{CFC60B5F-2253-DF41-8690-61B53F1555CE}" type="datetimeFigureOut">
               <a:rPr lang="en-US" smtClean="0"/>
-              <a:t>6/16/24</a:t>
+              <a:t>6/18/24</a:t>
             </a:fld>
             <a:endParaRPr lang="en-US"/>
           </a:p>
@@ -2042,7 +2042,7 @@
           <a:p>
             <a:fld id="{CFC60B5F-2253-DF41-8690-61B53F1555CE}" type="datetimeFigureOut">
               <a:rPr lang="en-US" smtClean="0"/>
-              <a:t>6/16/24</a:t>
+              <a:t>6/18/24</a:t>
             </a:fld>
             <a:endParaRPr lang="en-US"/>
           </a:p>
@@ -2160,7 +2160,7 @@
           <a:p>
             <a:fld id="{CFC60B5F-2253-DF41-8690-61B53F1555CE}" type="datetimeFigureOut">
               <a:rPr lang="en-US" smtClean="0"/>
-              <a:t>6/16/24</a:t>
+              <a:t>6/18/24</a:t>
             </a:fld>
             <a:endParaRPr lang="en-US"/>
           </a:p>
@@ -2255,7 +2255,7 @@
           <a:p>
             <a:fld id="{CFC60B5F-2253-DF41-8690-61B53F1555CE}" type="datetimeFigureOut">
               <a:rPr lang="en-US" smtClean="0"/>
-              <a:t>6/16/24</a:t>
+              <a:t>6/18/24</a:t>
             </a:fld>
             <a:endParaRPr lang="en-US"/>
           </a:p>
@@ -2532,7 +2532,7 @@
           <a:p>
             <a:fld id="{CFC60B5F-2253-DF41-8690-61B53F1555CE}" type="datetimeFigureOut">
               <a:rPr lang="en-US" smtClean="0"/>
-              <a:t>6/16/24</a:t>
+              <a:t>6/18/24</a:t>
             </a:fld>
             <a:endParaRPr lang="en-US"/>
           </a:p>
@@ -2789,7 +2789,7 @@
           <a:p>
             <a:fld id="{CFC60B5F-2253-DF41-8690-61B53F1555CE}" type="datetimeFigureOut">
               <a:rPr lang="en-US" smtClean="0"/>
-              <a:t>6/16/24</a:t>
+              <a:t>6/18/24</a:t>
             </a:fld>
             <a:endParaRPr lang="en-US"/>
           </a:p>
@@ -3002,7 +3002,7 @@
           <a:p>
             <a:fld id="{CFC60B5F-2253-DF41-8690-61B53F1555CE}" type="datetimeFigureOut">
               <a:rPr lang="en-US" smtClean="0"/>
-              <a:t>6/16/24</a:t>
+              <a:t>6/18/24</a:t>
             </a:fld>
             <a:endParaRPr lang="en-US"/>
           </a:p>
